--- a/專題簡報.pptx
+++ b/專題簡報.pptx
@@ -7,12 +7,13 @@
   <p:sldIdLst>
     <p:sldId id="256" r:id="rId2"/>
     <p:sldId id="258" r:id="rId3"/>
-    <p:sldId id="259" r:id="rId4"/>
-    <p:sldId id="261" r:id="rId5"/>
-    <p:sldId id="265" r:id="rId6"/>
-    <p:sldId id="262" r:id="rId7"/>
-    <p:sldId id="263" r:id="rId8"/>
-    <p:sldId id="264" r:id="rId9"/>
+    <p:sldId id="266" r:id="rId4"/>
+    <p:sldId id="259" r:id="rId5"/>
+    <p:sldId id="261" r:id="rId6"/>
+    <p:sldId id="265" r:id="rId7"/>
+    <p:sldId id="262" r:id="rId8"/>
+    <p:sldId id="263" r:id="rId9"/>
+    <p:sldId id="264" r:id="rId10"/>
   </p:sldIdLst>
   <p:sldSz cx="12192000" cy="6858000"/>
   <p:notesSz cx="6858000" cy="9144000"/>
@@ -111,6 +112,11 @@
       </a:defRPr>
     </a:lvl9pPr>
   </p:defaultTextStyle>
+  <p:extLst>
+    <p:ext uri="{EFAFB233-063F-42B5-8137-9DF3F51BA10A}">
+      <p15:sldGuideLst xmlns:p15="http://schemas.microsoft.com/office/powerpoint/2012/main"/>
+    </p:ext>
+  </p:extLst>
 </p:presentation>
 </file>
 
@@ -3771,7 +3777,7 @@
         <p:spPr>
           <a:xfrm>
             <a:off x="2598420" y="1017269"/>
-            <a:ext cx="2052888" cy="531203"/>
+            <a:ext cx="3107788" cy="531203"/>
           </a:xfrm>
         </p:spPr>
         <p:txBody>
@@ -3790,7 +3796,7 @@
                 <a:ea typeface="Microsoft YaHei Light" panose="020B0502040204020203" pitchFamily="34" charset="-122"/>
                 <a:cs typeface="+mj-cs"/>
               </a:rPr>
-              <a:t>網站架構</a:t>
+              <a:t>網站主要功能</a:t>
             </a:r>
             <a:endParaRPr lang="en-US" altLang="zh-TW" sz="3600" dirty="0">
               <a:solidFill>
@@ -4221,42 +4227,308 @@
           </a:p>
         </p:txBody>
       </p:sp>
-      <p:pic>
-        <p:nvPicPr>
-          <p:cNvPr id="20" name="圖片 19">
-            <a:extLst>
-              <a:ext uri="{FF2B5EF4-FFF2-40B4-BE49-F238E27FC236}">
-                <a16:creationId xmlns:a16="http://schemas.microsoft.com/office/drawing/2014/main" id="{0CDA92EF-6D6A-42D5-AD6B-32B203F12366}"/>
-              </a:ext>
-            </a:extLst>
-          </p:cNvPr>
-          <p:cNvPicPr>
-            <a:picLocks noChangeAspect="1"/>
-          </p:cNvPicPr>
+      <p:sp>
+        <p:nvSpPr>
+          <p:cNvPr id="11" name="副標題 2">
+            <a:extLst>
+              <a:ext uri="{FF2B5EF4-FFF2-40B4-BE49-F238E27FC236}">
+                <a16:creationId xmlns:a16="http://schemas.microsoft.com/office/drawing/2014/main" id="{C5371C57-4AC7-437D-87F1-59054A390203}"/>
+              </a:ext>
+            </a:extLst>
+          </p:cNvPr>
+          <p:cNvSpPr txBox="1">
+            <a:spLocks/>
+          </p:cNvSpPr>
           <p:nvPr/>
-        </p:nvPicPr>
-        <p:blipFill>
-          <a:blip r:embed="rId2">
-            <a:extLst>
-              <a:ext uri="{28A0092B-C50C-407E-A947-70E740481C1C}">
-                <a14:useLocalDpi xmlns:a14="http://schemas.microsoft.com/office/drawing/2010/main" val="0"/>
-              </a:ext>
-            </a:extLst>
-          </a:blip>
-          <a:stretch>
-            <a:fillRect/>
-          </a:stretch>
-        </p:blipFill>
+        </p:nvSpPr>
         <p:spPr>
           <a:xfrm>
-            <a:off x="2598420" y="1891314"/>
-            <a:ext cx="6210300" cy="4210050"/>
+            <a:off x="2598419" y="1778112"/>
+            <a:ext cx="6862103" cy="3752250"/>
           </a:xfrm>
           <a:prstGeom prst="rect">
             <a:avLst/>
           </a:prstGeom>
         </p:spPr>
-      </p:pic>
+        <p:txBody>
+          <a:bodyPr vert="horz" lIns="91440" tIns="45720" rIns="91440" bIns="45720" rtlCol="0">
+            <a:noAutofit/>
+          </a:bodyPr>
+          <a:lstStyle>
+            <a:lvl1pPr marL="0" indent="0" algn="ctr" defTabSz="914400" rtl="0" eaLnBrk="1" latinLnBrk="0" hangingPunct="1">
+              <a:lnSpc>
+                <a:spcPct val="90000"/>
+              </a:lnSpc>
+              <a:spcBef>
+                <a:spcPts val="1000"/>
+              </a:spcBef>
+              <a:buFont typeface="Arial" panose="020B0604020202020204" pitchFamily="34" charset="0"/>
+              <a:buNone/>
+              <a:defRPr sz="2400" kern="1200">
+                <a:solidFill>
+                  <a:schemeClr val="tx1"/>
+                </a:solidFill>
+                <a:latin typeface="+mn-lt"/>
+                <a:ea typeface="+mn-ea"/>
+                <a:cs typeface="+mn-cs"/>
+              </a:defRPr>
+            </a:lvl1pPr>
+            <a:lvl2pPr marL="457200" indent="0" algn="ctr" defTabSz="914400" rtl="0" eaLnBrk="1" latinLnBrk="0" hangingPunct="1">
+              <a:lnSpc>
+                <a:spcPct val="90000"/>
+              </a:lnSpc>
+              <a:spcBef>
+                <a:spcPts val="500"/>
+              </a:spcBef>
+              <a:buFont typeface="Arial" panose="020B0604020202020204" pitchFamily="34" charset="0"/>
+              <a:buNone/>
+              <a:defRPr sz="2000" kern="1200">
+                <a:solidFill>
+                  <a:schemeClr val="tx1"/>
+                </a:solidFill>
+                <a:latin typeface="+mn-lt"/>
+                <a:ea typeface="+mn-ea"/>
+                <a:cs typeface="+mn-cs"/>
+              </a:defRPr>
+            </a:lvl2pPr>
+            <a:lvl3pPr marL="914400" indent="0" algn="ctr" defTabSz="914400" rtl="0" eaLnBrk="1" latinLnBrk="0" hangingPunct="1">
+              <a:lnSpc>
+                <a:spcPct val="90000"/>
+              </a:lnSpc>
+              <a:spcBef>
+                <a:spcPts val="500"/>
+              </a:spcBef>
+              <a:buFont typeface="Arial" panose="020B0604020202020204" pitchFamily="34" charset="0"/>
+              <a:buNone/>
+              <a:defRPr sz="1800" kern="1200">
+                <a:solidFill>
+                  <a:schemeClr val="tx1"/>
+                </a:solidFill>
+                <a:latin typeface="+mn-lt"/>
+                <a:ea typeface="+mn-ea"/>
+                <a:cs typeface="+mn-cs"/>
+              </a:defRPr>
+            </a:lvl3pPr>
+            <a:lvl4pPr marL="1371600" indent="0" algn="ctr" defTabSz="914400" rtl="0" eaLnBrk="1" latinLnBrk="0" hangingPunct="1">
+              <a:lnSpc>
+                <a:spcPct val="90000"/>
+              </a:lnSpc>
+              <a:spcBef>
+                <a:spcPts val="500"/>
+              </a:spcBef>
+              <a:buFont typeface="Arial" panose="020B0604020202020204" pitchFamily="34" charset="0"/>
+              <a:buNone/>
+              <a:defRPr sz="1600" kern="1200">
+                <a:solidFill>
+                  <a:schemeClr val="tx1"/>
+                </a:solidFill>
+                <a:latin typeface="+mn-lt"/>
+                <a:ea typeface="+mn-ea"/>
+                <a:cs typeface="+mn-cs"/>
+              </a:defRPr>
+            </a:lvl4pPr>
+            <a:lvl5pPr marL="1828800" indent="0" algn="ctr" defTabSz="914400" rtl="0" eaLnBrk="1" latinLnBrk="0" hangingPunct="1">
+              <a:lnSpc>
+                <a:spcPct val="90000"/>
+              </a:lnSpc>
+              <a:spcBef>
+                <a:spcPts val="500"/>
+              </a:spcBef>
+              <a:buFont typeface="Arial" panose="020B0604020202020204" pitchFamily="34" charset="0"/>
+              <a:buNone/>
+              <a:defRPr sz="1600" kern="1200">
+                <a:solidFill>
+                  <a:schemeClr val="tx1"/>
+                </a:solidFill>
+                <a:latin typeface="+mn-lt"/>
+                <a:ea typeface="+mn-ea"/>
+                <a:cs typeface="+mn-cs"/>
+              </a:defRPr>
+            </a:lvl5pPr>
+            <a:lvl6pPr marL="2286000" indent="0" algn="ctr" defTabSz="914400" rtl="0" eaLnBrk="1" latinLnBrk="0" hangingPunct="1">
+              <a:lnSpc>
+                <a:spcPct val="90000"/>
+              </a:lnSpc>
+              <a:spcBef>
+                <a:spcPts val="500"/>
+              </a:spcBef>
+              <a:buFont typeface="Arial" panose="020B0604020202020204" pitchFamily="34" charset="0"/>
+              <a:buNone/>
+              <a:defRPr sz="1600" kern="1200">
+                <a:solidFill>
+                  <a:schemeClr val="tx1"/>
+                </a:solidFill>
+                <a:latin typeface="+mn-lt"/>
+                <a:ea typeface="+mn-ea"/>
+                <a:cs typeface="+mn-cs"/>
+              </a:defRPr>
+            </a:lvl6pPr>
+            <a:lvl7pPr marL="2743200" indent="0" algn="ctr" defTabSz="914400" rtl="0" eaLnBrk="1" latinLnBrk="0" hangingPunct="1">
+              <a:lnSpc>
+                <a:spcPct val="90000"/>
+              </a:lnSpc>
+              <a:spcBef>
+                <a:spcPts val="500"/>
+              </a:spcBef>
+              <a:buFont typeface="Arial" panose="020B0604020202020204" pitchFamily="34" charset="0"/>
+              <a:buNone/>
+              <a:defRPr sz="1600" kern="1200">
+                <a:solidFill>
+                  <a:schemeClr val="tx1"/>
+                </a:solidFill>
+                <a:latin typeface="+mn-lt"/>
+                <a:ea typeface="+mn-ea"/>
+                <a:cs typeface="+mn-cs"/>
+              </a:defRPr>
+            </a:lvl7pPr>
+            <a:lvl8pPr marL="3200400" indent="0" algn="ctr" defTabSz="914400" rtl="0" eaLnBrk="1" latinLnBrk="0" hangingPunct="1">
+              <a:lnSpc>
+                <a:spcPct val="90000"/>
+              </a:lnSpc>
+              <a:spcBef>
+                <a:spcPts val="500"/>
+              </a:spcBef>
+              <a:buFont typeface="Arial" panose="020B0604020202020204" pitchFamily="34" charset="0"/>
+              <a:buNone/>
+              <a:defRPr sz="1600" kern="1200">
+                <a:solidFill>
+                  <a:schemeClr val="tx1"/>
+                </a:solidFill>
+                <a:latin typeface="+mn-lt"/>
+                <a:ea typeface="+mn-ea"/>
+                <a:cs typeface="+mn-cs"/>
+              </a:defRPr>
+            </a:lvl8pPr>
+            <a:lvl9pPr marL="3657600" indent="0" algn="ctr" defTabSz="914400" rtl="0" eaLnBrk="1" latinLnBrk="0" hangingPunct="1">
+              <a:lnSpc>
+                <a:spcPct val="90000"/>
+              </a:lnSpc>
+              <a:spcBef>
+                <a:spcPts val="500"/>
+              </a:spcBef>
+              <a:buFont typeface="Arial" panose="020B0604020202020204" pitchFamily="34" charset="0"/>
+              <a:buNone/>
+              <a:defRPr sz="1600" kern="1200">
+                <a:solidFill>
+                  <a:schemeClr val="tx1"/>
+                </a:solidFill>
+                <a:latin typeface="+mn-lt"/>
+                <a:ea typeface="+mn-ea"/>
+                <a:cs typeface="+mn-cs"/>
+              </a:defRPr>
+            </a:lvl9pPr>
+          </a:lstStyle>
+          <a:p>
+            <a:pPr marL="742950" indent="-742950" algn="l">
+              <a:buAutoNum type="arabicPeriod"/>
+            </a:pPr>
+            <a:r>
+              <a:rPr lang="zh-TW" altLang="en-US" sz="3600" dirty="0">
+                <a:solidFill>
+                  <a:srgbClr val="F2E5B1"/>
+                </a:solidFill>
+                <a:latin typeface="Calibri Light" panose="020F0302020204030204" pitchFamily="34" charset="0"/>
+                <a:ea typeface="Microsoft YaHei Light" panose="020B0502040204020203" pitchFamily="34" charset="-122"/>
+                <a:cs typeface="+mj-cs"/>
+              </a:rPr>
+              <a:t>提供消費者預訂商品</a:t>
+            </a:r>
+            <a:endParaRPr lang="en-US" altLang="zh-TW" sz="3600" dirty="0">
+              <a:solidFill>
+                <a:srgbClr val="F2E5B1"/>
+              </a:solidFill>
+              <a:latin typeface="Calibri Light" panose="020F0302020204030204" pitchFamily="34" charset="0"/>
+              <a:ea typeface="Microsoft YaHei Light" panose="020B0502040204020203" pitchFamily="34" charset="-122"/>
+              <a:cs typeface="+mj-cs"/>
+            </a:endParaRPr>
+          </a:p>
+          <a:p>
+            <a:pPr marL="742950" indent="-742950" algn="l">
+              <a:buAutoNum type="arabicPeriod"/>
+            </a:pPr>
+            <a:r>
+              <a:rPr lang="zh-TW" altLang="en-US" sz="3600" dirty="0">
+                <a:solidFill>
+                  <a:srgbClr val="F2E5B1"/>
+                </a:solidFill>
+                <a:latin typeface="Calibri Light" panose="020F0302020204030204" pitchFamily="34" charset="0"/>
+                <a:ea typeface="Microsoft YaHei Light" panose="020B0502040204020203" pitchFamily="34" charset="-122"/>
+                <a:cs typeface="+mj-cs"/>
+              </a:rPr>
+              <a:t>發布店家最新資訊</a:t>
+            </a:r>
+            <a:endParaRPr lang="en-US" altLang="zh-TW" sz="3600" dirty="0">
+              <a:solidFill>
+                <a:srgbClr val="F2E5B1"/>
+              </a:solidFill>
+              <a:latin typeface="Calibri Light" panose="020F0302020204030204" pitchFamily="34" charset="0"/>
+              <a:ea typeface="Microsoft YaHei Light" panose="020B0502040204020203" pitchFamily="34" charset="-122"/>
+              <a:cs typeface="+mj-cs"/>
+            </a:endParaRPr>
+          </a:p>
+          <a:p>
+            <a:pPr marL="742950" indent="-742950" algn="l">
+              <a:buAutoNum type="arabicPeriod"/>
+            </a:pPr>
+            <a:r>
+              <a:rPr lang="zh-TW" altLang="en-US" sz="3600" dirty="0">
+                <a:solidFill>
+                  <a:srgbClr val="F2E5B1"/>
+                </a:solidFill>
+                <a:latin typeface="Calibri Light" panose="020F0302020204030204" pitchFamily="34" charset="0"/>
+                <a:ea typeface="Microsoft YaHei Light" panose="020B0502040204020203" pitchFamily="34" charset="-122"/>
+                <a:cs typeface="+mj-cs"/>
+              </a:rPr>
+              <a:t>網頁宣傳，刺激消費</a:t>
+            </a:r>
+            <a:endParaRPr lang="en-US" altLang="zh-TW" sz="3600" dirty="0">
+              <a:solidFill>
+                <a:srgbClr val="F2E5B1"/>
+              </a:solidFill>
+              <a:latin typeface="Calibri Light" panose="020F0302020204030204" pitchFamily="34" charset="0"/>
+              <a:ea typeface="Microsoft YaHei Light" panose="020B0502040204020203" pitchFamily="34" charset="-122"/>
+              <a:cs typeface="+mj-cs"/>
+            </a:endParaRPr>
+          </a:p>
+          <a:p>
+            <a:pPr marL="742950" indent="-742950" algn="l">
+              <a:buAutoNum type="arabicPeriod"/>
+            </a:pPr>
+            <a:r>
+              <a:rPr lang="zh-TW" altLang="en-US" sz="3600" dirty="0">
+                <a:solidFill>
+                  <a:srgbClr val="F2E5B1"/>
+                </a:solidFill>
+                <a:latin typeface="Calibri Light" panose="020F0302020204030204" pitchFamily="34" charset="0"/>
+                <a:ea typeface="Microsoft YaHei Light" panose="020B0502040204020203" pitchFamily="34" charset="-122"/>
+                <a:cs typeface="+mj-cs"/>
+              </a:rPr>
+              <a:t>方便店家統計訂單</a:t>
+            </a:r>
+            <a:endParaRPr lang="en-US" altLang="zh-TW" sz="3600" dirty="0">
+              <a:solidFill>
+                <a:srgbClr val="F2E5B1"/>
+              </a:solidFill>
+              <a:latin typeface="Calibri Light" panose="020F0302020204030204" pitchFamily="34" charset="0"/>
+              <a:ea typeface="Microsoft YaHei Light" panose="020B0502040204020203" pitchFamily="34" charset="-122"/>
+              <a:cs typeface="+mj-cs"/>
+            </a:endParaRPr>
+          </a:p>
+          <a:p>
+            <a:pPr marL="742950" indent="-742950" algn="l">
+              <a:buAutoNum type="arabicPeriod"/>
+            </a:pPr>
+            <a:endParaRPr lang="en-US" altLang="zh-TW" sz="3600" dirty="0">
+              <a:solidFill>
+                <a:srgbClr val="F2E5B1"/>
+              </a:solidFill>
+              <a:latin typeface="Calibri Light" panose="020F0302020204030204" pitchFamily="34" charset="0"/>
+              <a:ea typeface="Microsoft YaHei Light" panose="020B0502040204020203" pitchFamily="34" charset="-122"/>
+              <a:cs typeface="+mj-cs"/>
+            </a:endParaRPr>
+          </a:p>
+        </p:txBody>
+      </p:sp>
     </p:spTree>
     <p:extLst>
       <p:ext uri="{BB962C8B-B14F-4D97-AF65-F5344CB8AC3E}">
@@ -4295,6 +4567,57 @@
           <a:chExt cx="0" cy="0"/>
         </a:xfrm>
       </p:grpSpPr>
+      <p:sp>
+        <p:nvSpPr>
+          <p:cNvPr id="3" name="副標題 2">
+            <a:extLst>
+              <a:ext uri="{FF2B5EF4-FFF2-40B4-BE49-F238E27FC236}">
+                <a16:creationId xmlns:a16="http://schemas.microsoft.com/office/drawing/2014/main" id="{31797F4C-2530-4354-A929-8030FBD2DF7F}"/>
+              </a:ext>
+            </a:extLst>
+          </p:cNvPr>
+          <p:cNvSpPr>
+            <a:spLocks noGrp="1"/>
+          </p:cNvSpPr>
+          <p:nvPr>
+            <p:ph type="subTitle" idx="1"/>
+          </p:nvPr>
+        </p:nvSpPr>
+        <p:spPr>
+          <a:xfrm>
+            <a:off x="2598420" y="1017269"/>
+            <a:ext cx="2052888" cy="531203"/>
+          </a:xfrm>
+        </p:spPr>
+        <p:txBody>
+          <a:bodyPr>
+            <a:noAutofit/>
+          </a:bodyPr>
+          <a:lstStyle/>
+          <a:p>
+            <a:pPr algn="l"/>
+            <a:r>
+              <a:rPr lang="zh-TW" altLang="en-US" sz="3600" dirty="0">
+                <a:solidFill>
+                  <a:srgbClr val="F2E5B1"/>
+                </a:solidFill>
+                <a:latin typeface="Calibri Light" panose="020F0302020204030204" pitchFamily="34" charset="0"/>
+                <a:ea typeface="Microsoft YaHei Light" panose="020B0502040204020203" pitchFamily="34" charset="-122"/>
+                <a:cs typeface="+mj-cs"/>
+              </a:rPr>
+              <a:t>網站架構</a:t>
+            </a:r>
+            <a:endParaRPr lang="en-US" altLang="zh-TW" sz="3600" dirty="0">
+              <a:solidFill>
+                <a:srgbClr val="F2E5B1"/>
+              </a:solidFill>
+              <a:latin typeface="Calibri Light" panose="020F0302020204030204" pitchFamily="34" charset="0"/>
+              <a:ea typeface="Microsoft YaHei Light" panose="020B0502040204020203" pitchFamily="34" charset="-122"/>
+              <a:cs typeface="+mj-cs"/>
+            </a:endParaRPr>
+          </a:p>
+        </p:txBody>
+      </p:sp>
       <p:grpSp>
         <p:nvGrpSpPr>
           <p:cNvPr id="16" name="群組 15">
@@ -4713,586 +5036,45 @@
           </a:p>
         </p:txBody>
       </p:sp>
-      <p:sp>
-        <p:nvSpPr>
-          <p:cNvPr id="11" name="副標題 2">
-            <a:extLst>
-              <a:ext uri="{FF2B5EF4-FFF2-40B4-BE49-F238E27FC236}">
-                <a16:creationId xmlns:a16="http://schemas.microsoft.com/office/drawing/2014/main" id="{2D09F039-542B-431C-A987-FEEB5A5B89DD}"/>
-              </a:ext>
-            </a:extLst>
-          </p:cNvPr>
-          <p:cNvSpPr txBox="1">
-            <a:spLocks/>
-          </p:cNvSpPr>
+      <p:pic>
+        <p:nvPicPr>
+          <p:cNvPr id="20" name="圖片 19">
+            <a:extLst>
+              <a:ext uri="{FF2B5EF4-FFF2-40B4-BE49-F238E27FC236}">
+                <a16:creationId xmlns:a16="http://schemas.microsoft.com/office/drawing/2014/main" id="{0CDA92EF-6D6A-42D5-AD6B-32B203F12366}"/>
+              </a:ext>
+            </a:extLst>
+          </p:cNvPr>
+          <p:cNvPicPr>
+            <a:picLocks noChangeAspect="1"/>
+          </p:cNvPicPr>
           <p:nvPr/>
-        </p:nvSpPr>
+        </p:nvPicPr>
+        <p:blipFill>
+          <a:blip r:embed="rId2">
+            <a:extLst>
+              <a:ext uri="{28A0092B-C50C-407E-A947-70E740481C1C}">
+                <a14:useLocalDpi xmlns:a14="http://schemas.microsoft.com/office/drawing/2010/main" val="0"/>
+              </a:ext>
+            </a:extLst>
+          </a:blip>
+          <a:srcRect/>
+          <a:stretch/>
+        </p:blipFill>
         <p:spPr>
           <a:xfrm>
-            <a:off x="2598419" y="1017270"/>
-            <a:ext cx="2052887" cy="544552"/>
+            <a:off x="2598419" y="1964331"/>
+            <a:ext cx="7026985" cy="3231923"/>
           </a:xfrm>
           <a:prstGeom prst="rect">
             <a:avLst/>
           </a:prstGeom>
         </p:spPr>
-        <p:txBody>
-          <a:bodyPr vert="horz" lIns="91440" tIns="45720" rIns="91440" bIns="45720" rtlCol="0">
-            <a:noAutofit/>
-          </a:bodyPr>
-          <a:lstStyle>
-            <a:lvl1pPr marL="0" indent="0" algn="ctr" defTabSz="914400" rtl="0" eaLnBrk="1" latinLnBrk="0" hangingPunct="1">
-              <a:lnSpc>
-                <a:spcPct val="90000"/>
-              </a:lnSpc>
-              <a:spcBef>
-                <a:spcPts val="1000"/>
-              </a:spcBef>
-              <a:buFont typeface="Arial" panose="020B0604020202020204" pitchFamily="34" charset="0"/>
-              <a:buNone/>
-              <a:defRPr sz="2400" kern="1200">
-                <a:solidFill>
-                  <a:schemeClr val="tx1"/>
-                </a:solidFill>
-                <a:latin typeface="+mn-lt"/>
-                <a:ea typeface="+mn-ea"/>
-                <a:cs typeface="+mn-cs"/>
-              </a:defRPr>
-            </a:lvl1pPr>
-            <a:lvl2pPr marL="457200" indent="0" algn="ctr" defTabSz="914400" rtl="0" eaLnBrk="1" latinLnBrk="0" hangingPunct="1">
-              <a:lnSpc>
-                <a:spcPct val="90000"/>
-              </a:lnSpc>
-              <a:spcBef>
-                <a:spcPts val="500"/>
-              </a:spcBef>
-              <a:buFont typeface="Arial" panose="020B0604020202020204" pitchFamily="34" charset="0"/>
-              <a:buNone/>
-              <a:defRPr sz="2000" kern="1200">
-                <a:solidFill>
-                  <a:schemeClr val="tx1"/>
-                </a:solidFill>
-                <a:latin typeface="+mn-lt"/>
-                <a:ea typeface="+mn-ea"/>
-                <a:cs typeface="+mn-cs"/>
-              </a:defRPr>
-            </a:lvl2pPr>
-            <a:lvl3pPr marL="914400" indent="0" algn="ctr" defTabSz="914400" rtl="0" eaLnBrk="1" latinLnBrk="0" hangingPunct="1">
-              <a:lnSpc>
-                <a:spcPct val="90000"/>
-              </a:lnSpc>
-              <a:spcBef>
-                <a:spcPts val="500"/>
-              </a:spcBef>
-              <a:buFont typeface="Arial" panose="020B0604020202020204" pitchFamily="34" charset="0"/>
-              <a:buNone/>
-              <a:defRPr sz="1800" kern="1200">
-                <a:solidFill>
-                  <a:schemeClr val="tx1"/>
-                </a:solidFill>
-                <a:latin typeface="+mn-lt"/>
-                <a:ea typeface="+mn-ea"/>
-                <a:cs typeface="+mn-cs"/>
-              </a:defRPr>
-            </a:lvl3pPr>
-            <a:lvl4pPr marL="1371600" indent="0" algn="ctr" defTabSz="914400" rtl="0" eaLnBrk="1" latinLnBrk="0" hangingPunct="1">
-              <a:lnSpc>
-                <a:spcPct val="90000"/>
-              </a:lnSpc>
-              <a:spcBef>
-                <a:spcPts val="500"/>
-              </a:spcBef>
-              <a:buFont typeface="Arial" panose="020B0604020202020204" pitchFamily="34" charset="0"/>
-              <a:buNone/>
-              <a:defRPr sz="1600" kern="1200">
-                <a:solidFill>
-                  <a:schemeClr val="tx1"/>
-                </a:solidFill>
-                <a:latin typeface="+mn-lt"/>
-                <a:ea typeface="+mn-ea"/>
-                <a:cs typeface="+mn-cs"/>
-              </a:defRPr>
-            </a:lvl4pPr>
-            <a:lvl5pPr marL="1828800" indent="0" algn="ctr" defTabSz="914400" rtl="0" eaLnBrk="1" latinLnBrk="0" hangingPunct="1">
-              <a:lnSpc>
-                <a:spcPct val="90000"/>
-              </a:lnSpc>
-              <a:spcBef>
-                <a:spcPts val="500"/>
-              </a:spcBef>
-              <a:buFont typeface="Arial" panose="020B0604020202020204" pitchFamily="34" charset="0"/>
-              <a:buNone/>
-              <a:defRPr sz="1600" kern="1200">
-                <a:solidFill>
-                  <a:schemeClr val="tx1"/>
-                </a:solidFill>
-                <a:latin typeface="+mn-lt"/>
-                <a:ea typeface="+mn-ea"/>
-                <a:cs typeface="+mn-cs"/>
-              </a:defRPr>
-            </a:lvl5pPr>
-            <a:lvl6pPr marL="2286000" indent="0" algn="ctr" defTabSz="914400" rtl="0" eaLnBrk="1" latinLnBrk="0" hangingPunct="1">
-              <a:lnSpc>
-                <a:spcPct val="90000"/>
-              </a:lnSpc>
-              <a:spcBef>
-                <a:spcPts val="500"/>
-              </a:spcBef>
-              <a:buFont typeface="Arial" panose="020B0604020202020204" pitchFamily="34" charset="0"/>
-              <a:buNone/>
-              <a:defRPr sz="1600" kern="1200">
-                <a:solidFill>
-                  <a:schemeClr val="tx1"/>
-                </a:solidFill>
-                <a:latin typeface="+mn-lt"/>
-                <a:ea typeface="+mn-ea"/>
-                <a:cs typeface="+mn-cs"/>
-              </a:defRPr>
-            </a:lvl6pPr>
-            <a:lvl7pPr marL="2743200" indent="0" algn="ctr" defTabSz="914400" rtl="0" eaLnBrk="1" latinLnBrk="0" hangingPunct="1">
-              <a:lnSpc>
-                <a:spcPct val="90000"/>
-              </a:lnSpc>
-              <a:spcBef>
-                <a:spcPts val="500"/>
-              </a:spcBef>
-              <a:buFont typeface="Arial" panose="020B0604020202020204" pitchFamily="34" charset="0"/>
-              <a:buNone/>
-              <a:defRPr sz="1600" kern="1200">
-                <a:solidFill>
-                  <a:schemeClr val="tx1"/>
-                </a:solidFill>
-                <a:latin typeface="+mn-lt"/>
-                <a:ea typeface="+mn-ea"/>
-                <a:cs typeface="+mn-cs"/>
-              </a:defRPr>
-            </a:lvl7pPr>
-            <a:lvl8pPr marL="3200400" indent="0" algn="ctr" defTabSz="914400" rtl="0" eaLnBrk="1" latinLnBrk="0" hangingPunct="1">
-              <a:lnSpc>
-                <a:spcPct val="90000"/>
-              </a:lnSpc>
-              <a:spcBef>
-                <a:spcPts val="500"/>
-              </a:spcBef>
-              <a:buFont typeface="Arial" panose="020B0604020202020204" pitchFamily="34" charset="0"/>
-              <a:buNone/>
-              <a:defRPr sz="1600" kern="1200">
-                <a:solidFill>
-                  <a:schemeClr val="tx1"/>
-                </a:solidFill>
-                <a:latin typeface="+mn-lt"/>
-                <a:ea typeface="+mn-ea"/>
-                <a:cs typeface="+mn-cs"/>
-              </a:defRPr>
-            </a:lvl8pPr>
-            <a:lvl9pPr marL="3657600" indent="0" algn="ctr" defTabSz="914400" rtl="0" eaLnBrk="1" latinLnBrk="0" hangingPunct="1">
-              <a:lnSpc>
-                <a:spcPct val="90000"/>
-              </a:lnSpc>
-              <a:spcBef>
-                <a:spcPts val="500"/>
-              </a:spcBef>
-              <a:buFont typeface="Arial" panose="020B0604020202020204" pitchFamily="34" charset="0"/>
-              <a:buNone/>
-              <a:defRPr sz="1600" kern="1200">
-                <a:solidFill>
-                  <a:schemeClr val="tx1"/>
-                </a:solidFill>
-                <a:latin typeface="+mn-lt"/>
-                <a:ea typeface="+mn-ea"/>
-                <a:cs typeface="+mn-cs"/>
-              </a:defRPr>
-            </a:lvl9pPr>
-          </a:lstStyle>
-          <a:p>
-            <a:pPr algn="l"/>
-            <a:r>
-              <a:rPr lang="zh-TW" altLang="en-US" sz="3600" dirty="0">
-                <a:solidFill>
-                  <a:srgbClr val="F2E5B1"/>
-                </a:solidFill>
-                <a:latin typeface="Calibri Light" panose="020F0302020204030204" pitchFamily="34" charset="0"/>
-                <a:ea typeface="Microsoft YaHei Light" panose="020B0502040204020203" pitchFamily="34" charset="-122"/>
-              </a:rPr>
-              <a:t>操作流程</a:t>
-            </a:r>
-            <a:endParaRPr lang="en-US" altLang="zh-TW" sz="3600" dirty="0">
-              <a:solidFill>
-                <a:srgbClr val="F2E5B1"/>
-              </a:solidFill>
-              <a:latin typeface="Calibri Light" panose="020F0302020204030204" pitchFamily="34" charset="0"/>
-              <a:ea typeface="Microsoft YaHei Light" panose="020B0502040204020203" pitchFamily="34" charset="-122"/>
-            </a:endParaRPr>
-          </a:p>
-        </p:txBody>
-      </p:sp>
-      <p:sp>
-        <p:nvSpPr>
-          <p:cNvPr id="12" name="副標題 2">
-            <a:extLst>
-              <a:ext uri="{FF2B5EF4-FFF2-40B4-BE49-F238E27FC236}">
-                <a16:creationId xmlns:a16="http://schemas.microsoft.com/office/drawing/2014/main" id="{859E658A-4F9A-4C18-B869-BB0BF3727772}"/>
-              </a:ext>
-            </a:extLst>
-          </p:cNvPr>
-          <p:cNvSpPr txBox="1">
-            <a:spLocks/>
-          </p:cNvSpPr>
-          <p:nvPr/>
-        </p:nvSpPr>
-        <p:spPr>
-          <a:xfrm>
-            <a:off x="2598419" y="1891314"/>
-            <a:ext cx="6959396" cy="3472750"/>
-          </a:xfrm>
-          <a:prstGeom prst="rect">
-            <a:avLst/>
-          </a:prstGeom>
-        </p:spPr>
-        <p:txBody>
-          <a:bodyPr vert="horz" lIns="91440" tIns="45720" rIns="91440" bIns="45720" rtlCol="0">
-            <a:normAutofit/>
-          </a:bodyPr>
-          <a:lstStyle>
-            <a:lvl1pPr marL="0" indent="0" algn="ctr" defTabSz="914400" rtl="0" eaLnBrk="1" latinLnBrk="0" hangingPunct="1">
-              <a:lnSpc>
-                <a:spcPct val="90000"/>
-              </a:lnSpc>
-              <a:spcBef>
-                <a:spcPts val="1000"/>
-              </a:spcBef>
-              <a:buFont typeface="Arial" panose="020B0604020202020204" pitchFamily="34" charset="0"/>
-              <a:buNone/>
-              <a:defRPr sz="2400" kern="1200">
-                <a:solidFill>
-                  <a:schemeClr val="tx1"/>
-                </a:solidFill>
-                <a:latin typeface="+mn-lt"/>
-                <a:ea typeface="+mn-ea"/>
-                <a:cs typeface="+mn-cs"/>
-              </a:defRPr>
-            </a:lvl1pPr>
-            <a:lvl2pPr marL="457200" indent="0" algn="ctr" defTabSz="914400" rtl="0" eaLnBrk="1" latinLnBrk="0" hangingPunct="1">
-              <a:lnSpc>
-                <a:spcPct val="90000"/>
-              </a:lnSpc>
-              <a:spcBef>
-                <a:spcPts val="500"/>
-              </a:spcBef>
-              <a:buFont typeface="Arial" panose="020B0604020202020204" pitchFamily="34" charset="0"/>
-              <a:buNone/>
-              <a:defRPr sz="2000" kern="1200">
-                <a:solidFill>
-                  <a:schemeClr val="tx1"/>
-                </a:solidFill>
-                <a:latin typeface="+mn-lt"/>
-                <a:ea typeface="+mn-ea"/>
-                <a:cs typeface="+mn-cs"/>
-              </a:defRPr>
-            </a:lvl2pPr>
-            <a:lvl3pPr marL="914400" indent="0" algn="ctr" defTabSz="914400" rtl="0" eaLnBrk="1" latinLnBrk="0" hangingPunct="1">
-              <a:lnSpc>
-                <a:spcPct val="90000"/>
-              </a:lnSpc>
-              <a:spcBef>
-                <a:spcPts val="500"/>
-              </a:spcBef>
-              <a:buFont typeface="Arial" panose="020B0604020202020204" pitchFamily="34" charset="0"/>
-              <a:buNone/>
-              <a:defRPr sz="1800" kern="1200">
-                <a:solidFill>
-                  <a:schemeClr val="tx1"/>
-                </a:solidFill>
-                <a:latin typeface="+mn-lt"/>
-                <a:ea typeface="+mn-ea"/>
-                <a:cs typeface="+mn-cs"/>
-              </a:defRPr>
-            </a:lvl3pPr>
-            <a:lvl4pPr marL="1371600" indent="0" algn="ctr" defTabSz="914400" rtl="0" eaLnBrk="1" latinLnBrk="0" hangingPunct="1">
-              <a:lnSpc>
-                <a:spcPct val="90000"/>
-              </a:lnSpc>
-              <a:spcBef>
-                <a:spcPts val="500"/>
-              </a:spcBef>
-              <a:buFont typeface="Arial" panose="020B0604020202020204" pitchFamily="34" charset="0"/>
-              <a:buNone/>
-              <a:defRPr sz="1600" kern="1200">
-                <a:solidFill>
-                  <a:schemeClr val="tx1"/>
-                </a:solidFill>
-                <a:latin typeface="+mn-lt"/>
-                <a:ea typeface="+mn-ea"/>
-                <a:cs typeface="+mn-cs"/>
-              </a:defRPr>
-            </a:lvl4pPr>
-            <a:lvl5pPr marL="1828800" indent="0" algn="ctr" defTabSz="914400" rtl="0" eaLnBrk="1" latinLnBrk="0" hangingPunct="1">
-              <a:lnSpc>
-                <a:spcPct val="90000"/>
-              </a:lnSpc>
-              <a:spcBef>
-                <a:spcPts val="500"/>
-              </a:spcBef>
-              <a:buFont typeface="Arial" panose="020B0604020202020204" pitchFamily="34" charset="0"/>
-              <a:buNone/>
-              <a:defRPr sz="1600" kern="1200">
-                <a:solidFill>
-                  <a:schemeClr val="tx1"/>
-                </a:solidFill>
-                <a:latin typeface="+mn-lt"/>
-                <a:ea typeface="+mn-ea"/>
-                <a:cs typeface="+mn-cs"/>
-              </a:defRPr>
-            </a:lvl5pPr>
-            <a:lvl6pPr marL="2286000" indent="0" algn="ctr" defTabSz="914400" rtl="0" eaLnBrk="1" latinLnBrk="0" hangingPunct="1">
-              <a:lnSpc>
-                <a:spcPct val="90000"/>
-              </a:lnSpc>
-              <a:spcBef>
-                <a:spcPts val="500"/>
-              </a:spcBef>
-              <a:buFont typeface="Arial" panose="020B0604020202020204" pitchFamily="34" charset="0"/>
-              <a:buNone/>
-              <a:defRPr sz="1600" kern="1200">
-                <a:solidFill>
-                  <a:schemeClr val="tx1"/>
-                </a:solidFill>
-                <a:latin typeface="+mn-lt"/>
-                <a:ea typeface="+mn-ea"/>
-                <a:cs typeface="+mn-cs"/>
-              </a:defRPr>
-            </a:lvl6pPr>
-            <a:lvl7pPr marL="2743200" indent="0" algn="ctr" defTabSz="914400" rtl="0" eaLnBrk="1" latinLnBrk="0" hangingPunct="1">
-              <a:lnSpc>
-                <a:spcPct val="90000"/>
-              </a:lnSpc>
-              <a:spcBef>
-                <a:spcPts val="500"/>
-              </a:spcBef>
-              <a:buFont typeface="Arial" panose="020B0604020202020204" pitchFamily="34" charset="0"/>
-              <a:buNone/>
-              <a:defRPr sz="1600" kern="1200">
-                <a:solidFill>
-                  <a:schemeClr val="tx1"/>
-                </a:solidFill>
-                <a:latin typeface="+mn-lt"/>
-                <a:ea typeface="+mn-ea"/>
-                <a:cs typeface="+mn-cs"/>
-              </a:defRPr>
-            </a:lvl7pPr>
-            <a:lvl8pPr marL="3200400" indent="0" algn="ctr" defTabSz="914400" rtl="0" eaLnBrk="1" latinLnBrk="0" hangingPunct="1">
-              <a:lnSpc>
-                <a:spcPct val="90000"/>
-              </a:lnSpc>
-              <a:spcBef>
-                <a:spcPts val="500"/>
-              </a:spcBef>
-              <a:buFont typeface="Arial" panose="020B0604020202020204" pitchFamily="34" charset="0"/>
-              <a:buNone/>
-              <a:defRPr sz="1600" kern="1200">
-                <a:solidFill>
-                  <a:schemeClr val="tx1"/>
-                </a:solidFill>
-                <a:latin typeface="+mn-lt"/>
-                <a:ea typeface="+mn-ea"/>
-                <a:cs typeface="+mn-cs"/>
-              </a:defRPr>
-            </a:lvl8pPr>
-            <a:lvl9pPr marL="3657600" indent="0" algn="ctr" defTabSz="914400" rtl="0" eaLnBrk="1" latinLnBrk="0" hangingPunct="1">
-              <a:lnSpc>
-                <a:spcPct val="90000"/>
-              </a:lnSpc>
-              <a:spcBef>
-                <a:spcPts val="500"/>
-              </a:spcBef>
-              <a:buFont typeface="Arial" panose="020B0604020202020204" pitchFamily="34" charset="0"/>
-              <a:buNone/>
-              <a:defRPr sz="1600" kern="1200">
-                <a:solidFill>
-                  <a:schemeClr val="tx1"/>
-                </a:solidFill>
-                <a:latin typeface="+mn-lt"/>
-                <a:ea typeface="+mn-ea"/>
-                <a:cs typeface="+mn-cs"/>
-              </a:defRPr>
-            </a:lvl9pPr>
-          </a:lstStyle>
-          <a:p>
-            <a:pPr algn="l"/>
-            <a:r>
-              <a:rPr lang="zh-TW" altLang="en-US" dirty="0">
-                <a:solidFill>
-                  <a:srgbClr val="F2E5B1"/>
-                </a:solidFill>
-                <a:latin typeface="Calibri Light" panose="020F0302020204030204" pitchFamily="34" charset="0"/>
-                <a:ea typeface="Microsoft YaHei Light" panose="020B0502040204020203" pitchFamily="34" charset="-122"/>
-              </a:rPr>
-              <a:t>顧客購物流程 </a:t>
-            </a:r>
-            <a:r>
-              <a:rPr lang="en-US" altLang="zh-TW" dirty="0">
-                <a:solidFill>
-                  <a:srgbClr val="F2E5B1"/>
-                </a:solidFill>
-                <a:latin typeface="Calibri Light" panose="020F0302020204030204" pitchFamily="34" charset="0"/>
-                <a:ea typeface="Microsoft YaHei Light" panose="020B0502040204020203" pitchFamily="34" charset="-122"/>
-              </a:rPr>
-              <a:t>:</a:t>
-            </a:r>
-            <a:r>
-              <a:rPr lang="zh-TW" altLang="en-US" dirty="0">
-                <a:solidFill>
-                  <a:srgbClr val="F2E5B1"/>
-                </a:solidFill>
-                <a:latin typeface="Calibri Light" panose="020F0302020204030204" pitchFamily="34" charset="0"/>
-                <a:ea typeface="Microsoft YaHei Light" panose="020B0502040204020203" pitchFamily="34" charset="-122"/>
-              </a:rPr>
-              <a:t> </a:t>
-            </a:r>
-            <a:endParaRPr lang="en-US" altLang="zh-TW" dirty="0">
-              <a:solidFill>
-                <a:srgbClr val="F2E5B1"/>
-              </a:solidFill>
-              <a:latin typeface="Calibri Light" panose="020F0302020204030204" pitchFamily="34" charset="0"/>
-              <a:ea typeface="Microsoft YaHei Light" panose="020B0502040204020203" pitchFamily="34" charset="-122"/>
-            </a:endParaRPr>
-          </a:p>
-          <a:p>
-            <a:pPr algn="l"/>
-            <a:r>
-              <a:rPr lang="zh-TW" altLang="en-US" dirty="0">
-                <a:solidFill>
-                  <a:srgbClr val="F2E5B1"/>
-                </a:solidFill>
-                <a:latin typeface="Calibri Light" panose="020F0302020204030204" pitchFamily="34" charset="0"/>
-                <a:ea typeface="Microsoft YaHei Light" panose="020B0502040204020203" pitchFamily="34" charset="-122"/>
-              </a:rPr>
-              <a:t>主頁 → 登入</a:t>
-            </a:r>
-            <a:r>
-              <a:rPr lang="en-US" altLang="zh-TW" dirty="0">
-                <a:solidFill>
-                  <a:srgbClr val="F2E5B1"/>
-                </a:solidFill>
-                <a:latin typeface="Calibri Light" panose="020F0302020204030204" pitchFamily="34" charset="0"/>
-                <a:ea typeface="Microsoft YaHei Light" panose="020B0502040204020203" pitchFamily="34" charset="-122"/>
-              </a:rPr>
-              <a:t>(</a:t>
-            </a:r>
-            <a:r>
-              <a:rPr lang="zh-TW" altLang="en-US" dirty="0">
-                <a:solidFill>
-                  <a:srgbClr val="F2E5B1"/>
-                </a:solidFill>
-                <a:latin typeface="Calibri Light" panose="020F0302020204030204" pitchFamily="34" charset="0"/>
-                <a:ea typeface="Microsoft YaHei Light" panose="020B0502040204020203" pitchFamily="34" charset="-122"/>
-              </a:rPr>
-              <a:t>或註冊</a:t>
-            </a:r>
-            <a:r>
-              <a:rPr lang="en-US" altLang="zh-TW" dirty="0">
-                <a:solidFill>
-                  <a:srgbClr val="F2E5B1"/>
-                </a:solidFill>
-                <a:latin typeface="Calibri Light" panose="020F0302020204030204" pitchFamily="34" charset="0"/>
-                <a:ea typeface="Microsoft YaHei Light" panose="020B0502040204020203" pitchFamily="34" charset="-122"/>
-              </a:rPr>
-              <a:t>)</a:t>
-            </a:r>
-            <a:r>
-              <a:rPr lang="zh-TW" altLang="en-US" dirty="0">
-                <a:solidFill>
-                  <a:srgbClr val="F2E5B1"/>
-                </a:solidFill>
-                <a:latin typeface="Calibri Light" panose="020F0302020204030204" pitchFamily="34" charset="0"/>
-                <a:ea typeface="Microsoft YaHei Light" panose="020B0502040204020203" pitchFamily="34" charset="-122"/>
-              </a:rPr>
-              <a:t> → 商品頁→ 將商品加入購物車 → 購物車介面填寫資料 → 送出訂單 → 轉跳訂單頁→ 確認訂單</a:t>
-            </a:r>
-            <a:endParaRPr lang="en-US" altLang="zh-TW" dirty="0">
-              <a:solidFill>
-                <a:srgbClr val="F2E5B1"/>
-              </a:solidFill>
-              <a:latin typeface="Calibri Light" panose="020F0302020204030204" pitchFamily="34" charset="0"/>
-              <a:ea typeface="Microsoft YaHei Light" panose="020B0502040204020203" pitchFamily="34" charset="-122"/>
-            </a:endParaRPr>
-          </a:p>
-          <a:p>
-            <a:pPr algn="l"/>
-            <a:endParaRPr lang="en-US" altLang="zh-TW" dirty="0">
-              <a:solidFill>
-                <a:srgbClr val="F2E5B1"/>
-              </a:solidFill>
-              <a:latin typeface="Calibri Light" panose="020F0302020204030204" pitchFamily="34" charset="0"/>
-              <a:ea typeface="Microsoft YaHei Light" panose="020B0502040204020203" pitchFamily="34" charset="-122"/>
-            </a:endParaRPr>
-          </a:p>
-          <a:p>
-            <a:pPr algn="l"/>
-            <a:r>
-              <a:rPr lang="zh-TW" altLang="en-US" dirty="0">
-                <a:solidFill>
-                  <a:srgbClr val="F2E5B1"/>
-                </a:solidFill>
-                <a:latin typeface="Calibri Light" panose="020F0302020204030204" pitchFamily="34" charset="0"/>
-                <a:ea typeface="Microsoft YaHei Light" panose="020B0502040204020203" pitchFamily="34" charset="-122"/>
-              </a:rPr>
-              <a:t>管理者流程 </a:t>
-            </a:r>
-            <a:r>
-              <a:rPr lang="en-US" altLang="zh-TW" dirty="0">
-                <a:solidFill>
-                  <a:srgbClr val="F2E5B1"/>
-                </a:solidFill>
-                <a:latin typeface="Calibri Light" panose="020F0302020204030204" pitchFamily="34" charset="0"/>
-                <a:ea typeface="Microsoft YaHei Light" panose="020B0502040204020203" pitchFamily="34" charset="-122"/>
-              </a:rPr>
-              <a:t>:</a:t>
-            </a:r>
-            <a:r>
-              <a:rPr lang="zh-TW" altLang="en-US" dirty="0">
-                <a:solidFill>
-                  <a:srgbClr val="F2E5B1"/>
-                </a:solidFill>
-                <a:latin typeface="Calibri Light" panose="020F0302020204030204" pitchFamily="34" charset="0"/>
-                <a:ea typeface="Microsoft YaHei Light" panose="020B0502040204020203" pitchFamily="34" charset="-122"/>
-              </a:rPr>
-              <a:t> </a:t>
-            </a:r>
-            <a:endParaRPr lang="en-US" altLang="zh-TW" dirty="0">
-              <a:solidFill>
-                <a:srgbClr val="F2E5B1"/>
-              </a:solidFill>
-              <a:latin typeface="Calibri Light" panose="020F0302020204030204" pitchFamily="34" charset="0"/>
-              <a:ea typeface="Microsoft YaHei Light" panose="020B0502040204020203" pitchFamily="34" charset="-122"/>
-            </a:endParaRPr>
-          </a:p>
-          <a:p>
-            <a:pPr algn="l"/>
-            <a:r>
-              <a:rPr lang="zh-TW" altLang="en-US" dirty="0">
-                <a:solidFill>
-                  <a:srgbClr val="F2E5B1"/>
-                </a:solidFill>
-                <a:latin typeface="Calibri Light" panose="020F0302020204030204" pitchFamily="34" charset="0"/>
-                <a:ea typeface="Microsoft YaHei Light" panose="020B0502040204020203" pitchFamily="34" charset="-122"/>
-              </a:rPr>
-              <a:t>主頁 → 登入 → 訂單頁 → 確認訂單</a:t>
-            </a:r>
-            <a:endParaRPr lang="en-US" altLang="zh-TW" dirty="0">
-              <a:solidFill>
-                <a:srgbClr val="F2E5B1"/>
-              </a:solidFill>
-              <a:latin typeface="Calibri Light" panose="020F0302020204030204" pitchFamily="34" charset="0"/>
-              <a:ea typeface="Microsoft YaHei Light" panose="020B0502040204020203" pitchFamily="34" charset="-122"/>
-            </a:endParaRPr>
-          </a:p>
-        </p:txBody>
-      </p:sp>
+      </p:pic>
     </p:spTree>
     <p:extLst>
       <p:ext uri="{BB962C8B-B14F-4D97-AF65-F5344CB8AC3E}">
-        <p14:creationId xmlns:p14="http://schemas.microsoft.com/office/powerpoint/2010/main" val="3423595915"/>
+        <p14:creationId xmlns:p14="http://schemas.microsoft.com/office/powerpoint/2010/main" val="841645129"/>
       </p:ext>
     </p:extLst>
   </p:cSld>
@@ -5761,8 +5543,8 @@
         </p:nvSpPr>
         <p:spPr>
           <a:xfrm>
-            <a:off x="1828800" y="592594"/>
-            <a:ext cx="5747982" cy="544552"/>
+            <a:off x="2598419" y="1017270"/>
+            <a:ext cx="2052887" cy="544552"/>
           </a:xfrm>
           <a:prstGeom prst="rect">
             <a:avLst/>
@@ -5946,27 +5728,7 @@
                 <a:latin typeface="Calibri Light" panose="020F0302020204030204" pitchFamily="34" charset="0"/>
                 <a:ea typeface="Microsoft YaHei Light" panose="020B0502040204020203" pitchFamily="34" charset="-122"/>
               </a:rPr>
-              <a:t>網頁畫面 </a:t>
-            </a:r>
-            <a:r>
-              <a:rPr lang="en-US" altLang="zh-TW" sz="3600" dirty="0">
-                <a:solidFill>
-                  <a:srgbClr val="F2E5B1"/>
-                </a:solidFill>
-                <a:latin typeface="Calibri Light" panose="020F0302020204030204" pitchFamily="34" charset="0"/>
-                <a:ea typeface="Microsoft YaHei Light" panose="020B0502040204020203" pitchFamily="34" charset="-122"/>
-              </a:rPr>
-              <a:t>- </a:t>
-            </a:r>
-            <a:r>
-              <a:rPr lang="zh-TW" altLang="en-US" sz="3600" dirty="0">
-                <a:solidFill>
-                  <a:srgbClr val="F2E5B1"/>
-                </a:solidFill>
-                <a:latin typeface="Calibri Light" panose="020F0302020204030204" pitchFamily="34" charset="0"/>
-                <a:ea typeface="Microsoft YaHei Light" panose="020B0502040204020203" pitchFamily="34" charset="-122"/>
-              </a:rPr>
-              <a:t>主頁</a:t>
+              <a:t>操作流程</a:t>
             </a:r>
             <a:endParaRPr lang="en-US" altLang="zh-TW" sz="3600" dirty="0">
               <a:solidFill>
@@ -5978,45 +5740,373 @@
           </a:p>
         </p:txBody>
       </p:sp>
-      <p:pic>
-        <p:nvPicPr>
-          <p:cNvPr id="3" name="圖片 2">
-            <a:extLst>
-              <a:ext uri="{FF2B5EF4-FFF2-40B4-BE49-F238E27FC236}">
-                <a16:creationId xmlns:a16="http://schemas.microsoft.com/office/drawing/2014/main" id="{2406803E-B5A6-4B03-B4D3-CABCE92FD4E3}"/>
-              </a:ext>
-            </a:extLst>
-          </p:cNvPr>
-          <p:cNvPicPr>
-            <a:picLocks noChangeAspect="1"/>
-          </p:cNvPicPr>
+      <p:sp>
+        <p:nvSpPr>
+          <p:cNvPr id="12" name="副標題 2">
+            <a:extLst>
+              <a:ext uri="{FF2B5EF4-FFF2-40B4-BE49-F238E27FC236}">
+                <a16:creationId xmlns:a16="http://schemas.microsoft.com/office/drawing/2014/main" id="{859E658A-4F9A-4C18-B869-BB0BF3727772}"/>
+              </a:ext>
+            </a:extLst>
+          </p:cNvPr>
+          <p:cNvSpPr txBox="1">
+            <a:spLocks/>
+          </p:cNvSpPr>
           <p:nvPr/>
-        </p:nvPicPr>
-        <p:blipFill>
-          <a:blip r:embed="rId2">
-            <a:extLst>
-              <a:ext uri="{28A0092B-C50C-407E-A947-70E740481C1C}">
-                <a14:useLocalDpi xmlns:a14="http://schemas.microsoft.com/office/drawing/2010/main" val="0"/>
-              </a:ext>
-            </a:extLst>
-          </a:blip>
-          <a:srcRect/>
-          <a:stretch/>
-        </p:blipFill>
+        </p:nvSpPr>
         <p:spPr>
           <a:xfrm>
-            <a:off x="1828800" y="1368000"/>
-            <a:ext cx="8537600" cy="4802400"/>
+            <a:off x="2598419" y="1891314"/>
+            <a:ext cx="6959396" cy="3472750"/>
           </a:xfrm>
           <a:prstGeom prst="rect">
             <a:avLst/>
           </a:prstGeom>
         </p:spPr>
-      </p:pic>
+        <p:txBody>
+          <a:bodyPr vert="horz" lIns="91440" tIns="45720" rIns="91440" bIns="45720" rtlCol="0">
+            <a:normAutofit/>
+          </a:bodyPr>
+          <a:lstStyle>
+            <a:lvl1pPr marL="0" indent="0" algn="ctr" defTabSz="914400" rtl="0" eaLnBrk="1" latinLnBrk="0" hangingPunct="1">
+              <a:lnSpc>
+                <a:spcPct val="90000"/>
+              </a:lnSpc>
+              <a:spcBef>
+                <a:spcPts val="1000"/>
+              </a:spcBef>
+              <a:buFont typeface="Arial" panose="020B0604020202020204" pitchFamily="34" charset="0"/>
+              <a:buNone/>
+              <a:defRPr sz="2400" kern="1200">
+                <a:solidFill>
+                  <a:schemeClr val="tx1"/>
+                </a:solidFill>
+                <a:latin typeface="+mn-lt"/>
+                <a:ea typeface="+mn-ea"/>
+                <a:cs typeface="+mn-cs"/>
+              </a:defRPr>
+            </a:lvl1pPr>
+            <a:lvl2pPr marL="457200" indent="0" algn="ctr" defTabSz="914400" rtl="0" eaLnBrk="1" latinLnBrk="0" hangingPunct="1">
+              <a:lnSpc>
+                <a:spcPct val="90000"/>
+              </a:lnSpc>
+              <a:spcBef>
+                <a:spcPts val="500"/>
+              </a:spcBef>
+              <a:buFont typeface="Arial" panose="020B0604020202020204" pitchFamily="34" charset="0"/>
+              <a:buNone/>
+              <a:defRPr sz="2000" kern="1200">
+                <a:solidFill>
+                  <a:schemeClr val="tx1"/>
+                </a:solidFill>
+                <a:latin typeface="+mn-lt"/>
+                <a:ea typeface="+mn-ea"/>
+                <a:cs typeface="+mn-cs"/>
+              </a:defRPr>
+            </a:lvl2pPr>
+            <a:lvl3pPr marL="914400" indent="0" algn="ctr" defTabSz="914400" rtl="0" eaLnBrk="1" latinLnBrk="0" hangingPunct="1">
+              <a:lnSpc>
+                <a:spcPct val="90000"/>
+              </a:lnSpc>
+              <a:spcBef>
+                <a:spcPts val="500"/>
+              </a:spcBef>
+              <a:buFont typeface="Arial" panose="020B0604020202020204" pitchFamily="34" charset="0"/>
+              <a:buNone/>
+              <a:defRPr sz="1800" kern="1200">
+                <a:solidFill>
+                  <a:schemeClr val="tx1"/>
+                </a:solidFill>
+                <a:latin typeface="+mn-lt"/>
+                <a:ea typeface="+mn-ea"/>
+                <a:cs typeface="+mn-cs"/>
+              </a:defRPr>
+            </a:lvl3pPr>
+            <a:lvl4pPr marL="1371600" indent="0" algn="ctr" defTabSz="914400" rtl="0" eaLnBrk="1" latinLnBrk="0" hangingPunct="1">
+              <a:lnSpc>
+                <a:spcPct val="90000"/>
+              </a:lnSpc>
+              <a:spcBef>
+                <a:spcPts val="500"/>
+              </a:spcBef>
+              <a:buFont typeface="Arial" panose="020B0604020202020204" pitchFamily="34" charset="0"/>
+              <a:buNone/>
+              <a:defRPr sz="1600" kern="1200">
+                <a:solidFill>
+                  <a:schemeClr val="tx1"/>
+                </a:solidFill>
+                <a:latin typeface="+mn-lt"/>
+                <a:ea typeface="+mn-ea"/>
+                <a:cs typeface="+mn-cs"/>
+              </a:defRPr>
+            </a:lvl4pPr>
+            <a:lvl5pPr marL="1828800" indent="0" algn="ctr" defTabSz="914400" rtl="0" eaLnBrk="1" latinLnBrk="0" hangingPunct="1">
+              <a:lnSpc>
+                <a:spcPct val="90000"/>
+              </a:lnSpc>
+              <a:spcBef>
+                <a:spcPts val="500"/>
+              </a:spcBef>
+              <a:buFont typeface="Arial" panose="020B0604020202020204" pitchFamily="34" charset="0"/>
+              <a:buNone/>
+              <a:defRPr sz="1600" kern="1200">
+                <a:solidFill>
+                  <a:schemeClr val="tx1"/>
+                </a:solidFill>
+                <a:latin typeface="+mn-lt"/>
+                <a:ea typeface="+mn-ea"/>
+                <a:cs typeface="+mn-cs"/>
+              </a:defRPr>
+            </a:lvl5pPr>
+            <a:lvl6pPr marL="2286000" indent="0" algn="ctr" defTabSz="914400" rtl="0" eaLnBrk="1" latinLnBrk="0" hangingPunct="1">
+              <a:lnSpc>
+                <a:spcPct val="90000"/>
+              </a:lnSpc>
+              <a:spcBef>
+                <a:spcPts val="500"/>
+              </a:spcBef>
+              <a:buFont typeface="Arial" panose="020B0604020202020204" pitchFamily="34" charset="0"/>
+              <a:buNone/>
+              <a:defRPr sz="1600" kern="1200">
+                <a:solidFill>
+                  <a:schemeClr val="tx1"/>
+                </a:solidFill>
+                <a:latin typeface="+mn-lt"/>
+                <a:ea typeface="+mn-ea"/>
+                <a:cs typeface="+mn-cs"/>
+              </a:defRPr>
+            </a:lvl6pPr>
+            <a:lvl7pPr marL="2743200" indent="0" algn="ctr" defTabSz="914400" rtl="0" eaLnBrk="1" latinLnBrk="0" hangingPunct="1">
+              <a:lnSpc>
+                <a:spcPct val="90000"/>
+              </a:lnSpc>
+              <a:spcBef>
+                <a:spcPts val="500"/>
+              </a:spcBef>
+              <a:buFont typeface="Arial" panose="020B0604020202020204" pitchFamily="34" charset="0"/>
+              <a:buNone/>
+              <a:defRPr sz="1600" kern="1200">
+                <a:solidFill>
+                  <a:schemeClr val="tx1"/>
+                </a:solidFill>
+                <a:latin typeface="+mn-lt"/>
+                <a:ea typeface="+mn-ea"/>
+                <a:cs typeface="+mn-cs"/>
+              </a:defRPr>
+            </a:lvl7pPr>
+            <a:lvl8pPr marL="3200400" indent="0" algn="ctr" defTabSz="914400" rtl="0" eaLnBrk="1" latinLnBrk="0" hangingPunct="1">
+              <a:lnSpc>
+                <a:spcPct val="90000"/>
+              </a:lnSpc>
+              <a:spcBef>
+                <a:spcPts val="500"/>
+              </a:spcBef>
+              <a:buFont typeface="Arial" panose="020B0604020202020204" pitchFamily="34" charset="0"/>
+              <a:buNone/>
+              <a:defRPr sz="1600" kern="1200">
+                <a:solidFill>
+                  <a:schemeClr val="tx1"/>
+                </a:solidFill>
+                <a:latin typeface="+mn-lt"/>
+                <a:ea typeface="+mn-ea"/>
+                <a:cs typeface="+mn-cs"/>
+              </a:defRPr>
+            </a:lvl8pPr>
+            <a:lvl9pPr marL="3657600" indent="0" algn="ctr" defTabSz="914400" rtl="0" eaLnBrk="1" latinLnBrk="0" hangingPunct="1">
+              <a:lnSpc>
+                <a:spcPct val="90000"/>
+              </a:lnSpc>
+              <a:spcBef>
+                <a:spcPts val="500"/>
+              </a:spcBef>
+              <a:buFont typeface="Arial" panose="020B0604020202020204" pitchFamily="34" charset="0"/>
+              <a:buNone/>
+              <a:defRPr sz="1600" kern="1200">
+                <a:solidFill>
+                  <a:schemeClr val="tx1"/>
+                </a:solidFill>
+                <a:latin typeface="+mn-lt"/>
+                <a:ea typeface="+mn-ea"/>
+                <a:cs typeface="+mn-cs"/>
+              </a:defRPr>
+            </a:lvl9pPr>
+          </a:lstStyle>
+          <a:p>
+            <a:pPr algn="l"/>
+            <a:r>
+              <a:rPr lang="zh-TW" altLang="en-US" dirty="0">
+                <a:solidFill>
+                  <a:srgbClr val="F2E5B1"/>
+                </a:solidFill>
+                <a:latin typeface="Calibri Light" panose="020F0302020204030204" pitchFamily="34" charset="0"/>
+                <a:ea typeface="Microsoft YaHei Light" panose="020B0502040204020203" pitchFamily="34" charset="-122"/>
+              </a:rPr>
+              <a:t>顧客購物流程 </a:t>
+            </a:r>
+            <a:r>
+              <a:rPr lang="en-US" altLang="zh-TW" dirty="0">
+                <a:solidFill>
+                  <a:srgbClr val="F2E5B1"/>
+                </a:solidFill>
+                <a:latin typeface="Calibri Light" panose="020F0302020204030204" pitchFamily="34" charset="0"/>
+                <a:ea typeface="Microsoft YaHei Light" panose="020B0502040204020203" pitchFamily="34" charset="-122"/>
+              </a:rPr>
+              <a:t>:</a:t>
+            </a:r>
+            <a:r>
+              <a:rPr lang="zh-TW" altLang="en-US" dirty="0">
+                <a:solidFill>
+                  <a:srgbClr val="F2E5B1"/>
+                </a:solidFill>
+                <a:latin typeface="Calibri Light" panose="020F0302020204030204" pitchFamily="34" charset="0"/>
+                <a:ea typeface="Microsoft YaHei Light" panose="020B0502040204020203" pitchFamily="34" charset="-122"/>
+              </a:rPr>
+              <a:t> </a:t>
+            </a:r>
+            <a:endParaRPr lang="en-US" altLang="zh-TW" dirty="0">
+              <a:solidFill>
+                <a:srgbClr val="F2E5B1"/>
+              </a:solidFill>
+              <a:latin typeface="Calibri Light" panose="020F0302020204030204" pitchFamily="34" charset="0"/>
+              <a:ea typeface="Microsoft YaHei Light" panose="020B0502040204020203" pitchFamily="34" charset="-122"/>
+            </a:endParaRPr>
+          </a:p>
+          <a:p>
+            <a:pPr algn="l"/>
+            <a:r>
+              <a:rPr lang="zh-TW" altLang="en-US" dirty="0">
+                <a:solidFill>
+                  <a:srgbClr val="F2E5B1"/>
+                </a:solidFill>
+                <a:latin typeface="Calibri Light" panose="020F0302020204030204" pitchFamily="34" charset="0"/>
+                <a:ea typeface="Microsoft YaHei Light" panose="020B0502040204020203" pitchFamily="34" charset="-122"/>
+              </a:rPr>
+              <a:t>主頁 → 登入</a:t>
+            </a:r>
+            <a:r>
+              <a:rPr lang="en-US" altLang="zh-TW" dirty="0">
+                <a:solidFill>
+                  <a:srgbClr val="F2E5B1"/>
+                </a:solidFill>
+                <a:latin typeface="Calibri Light" panose="020F0302020204030204" pitchFamily="34" charset="0"/>
+                <a:ea typeface="Microsoft YaHei Light" panose="020B0502040204020203" pitchFamily="34" charset="-122"/>
+              </a:rPr>
+              <a:t>(</a:t>
+            </a:r>
+            <a:r>
+              <a:rPr lang="zh-TW" altLang="en-US" dirty="0">
+                <a:solidFill>
+                  <a:srgbClr val="F2E5B1"/>
+                </a:solidFill>
+                <a:latin typeface="Calibri Light" panose="020F0302020204030204" pitchFamily="34" charset="0"/>
+                <a:ea typeface="Microsoft YaHei Light" panose="020B0502040204020203" pitchFamily="34" charset="-122"/>
+              </a:rPr>
+              <a:t>或註冊</a:t>
+            </a:r>
+            <a:r>
+              <a:rPr lang="en-US" altLang="zh-TW" dirty="0">
+                <a:solidFill>
+                  <a:srgbClr val="F2E5B1"/>
+                </a:solidFill>
+                <a:latin typeface="Calibri Light" panose="020F0302020204030204" pitchFamily="34" charset="0"/>
+                <a:ea typeface="Microsoft YaHei Light" panose="020B0502040204020203" pitchFamily="34" charset="-122"/>
+              </a:rPr>
+              <a:t>)</a:t>
+            </a:r>
+            <a:r>
+              <a:rPr lang="zh-TW" altLang="en-US" dirty="0">
+                <a:solidFill>
+                  <a:srgbClr val="F2E5B1"/>
+                </a:solidFill>
+                <a:latin typeface="Calibri Light" panose="020F0302020204030204" pitchFamily="34" charset="0"/>
+                <a:ea typeface="Microsoft YaHei Light" panose="020B0502040204020203" pitchFamily="34" charset="-122"/>
+              </a:rPr>
+              <a:t> → 商品頁→ 將商品加入購物車 → 購物車介面填寫資料 → 送出訂單 → 轉跳訂單頁→ 確認訂單</a:t>
+            </a:r>
+            <a:endParaRPr lang="en-US" altLang="zh-TW" dirty="0">
+              <a:solidFill>
+                <a:srgbClr val="F2E5B1"/>
+              </a:solidFill>
+              <a:latin typeface="Calibri Light" panose="020F0302020204030204" pitchFamily="34" charset="0"/>
+              <a:ea typeface="Microsoft YaHei Light" panose="020B0502040204020203" pitchFamily="34" charset="-122"/>
+            </a:endParaRPr>
+          </a:p>
+          <a:p>
+            <a:pPr algn="l"/>
+            <a:endParaRPr lang="en-US" altLang="zh-TW" dirty="0">
+              <a:solidFill>
+                <a:srgbClr val="F2E5B1"/>
+              </a:solidFill>
+              <a:latin typeface="Calibri Light" panose="020F0302020204030204" pitchFamily="34" charset="0"/>
+              <a:ea typeface="Microsoft YaHei Light" panose="020B0502040204020203" pitchFamily="34" charset="-122"/>
+            </a:endParaRPr>
+          </a:p>
+          <a:p>
+            <a:pPr algn="l"/>
+            <a:r>
+              <a:rPr lang="zh-TW" altLang="en-US" dirty="0">
+                <a:solidFill>
+                  <a:srgbClr val="F2E5B1"/>
+                </a:solidFill>
+                <a:latin typeface="Calibri Light" panose="020F0302020204030204" pitchFamily="34" charset="0"/>
+                <a:ea typeface="Microsoft YaHei Light" panose="020B0502040204020203" pitchFamily="34" charset="-122"/>
+              </a:rPr>
+              <a:t>管理者流程 </a:t>
+            </a:r>
+            <a:r>
+              <a:rPr lang="en-US" altLang="zh-TW" dirty="0">
+                <a:solidFill>
+                  <a:srgbClr val="F2E5B1"/>
+                </a:solidFill>
+                <a:latin typeface="Calibri Light" panose="020F0302020204030204" pitchFamily="34" charset="0"/>
+                <a:ea typeface="Microsoft YaHei Light" panose="020B0502040204020203" pitchFamily="34" charset="-122"/>
+              </a:rPr>
+              <a:t>:</a:t>
+            </a:r>
+            <a:r>
+              <a:rPr lang="zh-TW" altLang="en-US" dirty="0">
+                <a:solidFill>
+                  <a:srgbClr val="F2E5B1"/>
+                </a:solidFill>
+                <a:latin typeface="Calibri Light" panose="020F0302020204030204" pitchFamily="34" charset="0"/>
+                <a:ea typeface="Microsoft YaHei Light" panose="020B0502040204020203" pitchFamily="34" charset="-122"/>
+              </a:rPr>
+              <a:t> </a:t>
+            </a:r>
+            <a:endParaRPr lang="en-US" altLang="zh-TW" dirty="0">
+              <a:solidFill>
+                <a:srgbClr val="F2E5B1"/>
+              </a:solidFill>
+              <a:latin typeface="Calibri Light" panose="020F0302020204030204" pitchFamily="34" charset="0"/>
+              <a:ea typeface="Microsoft YaHei Light" panose="020B0502040204020203" pitchFamily="34" charset="-122"/>
+            </a:endParaRPr>
+          </a:p>
+          <a:p>
+            <a:pPr algn="l"/>
+            <a:r>
+              <a:rPr lang="zh-TW" altLang="en-US" dirty="0">
+                <a:solidFill>
+                  <a:srgbClr val="F2E5B1"/>
+                </a:solidFill>
+                <a:latin typeface="Calibri Light" panose="020F0302020204030204" pitchFamily="34" charset="0"/>
+                <a:ea typeface="Microsoft YaHei Light" panose="020B0502040204020203" pitchFamily="34" charset="-122"/>
+              </a:rPr>
+              <a:t>主頁 → 登入 → 訂單頁 → 確認訂單</a:t>
+            </a:r>
+            <a:endParaRPr lang="en-US" altLang="zh-TW" dirty="0">
+              <a:solidFill>
+                <a:srgbClr val="F2E5B1"/>
+              </a:solidFill>
+              <a:latin typeface="Calibri Light" panose="020F0302020204030204" pitchFamily="34" charset="0"/>
+              <a:ea typeface="Microsoft YaHei Light" panose="020B0502040204020203" pitchFamily="34" charset="-122"/>
+            </a:endParaRPr>
+          </a:p>
+        </p:txBody>
+      </p:sp>
     </p:spTree>
     <p:extLst>
       <p:ext uri="{BB962C8B-B14F-4D97-AF65-F5344CB8AC3E}">
-        <p14:creationId xmlns:p14="http://schemas.microsoft.com/office/powerpoint/2010/main" val="332347358"/>
+        <p14:creationId xmlns:p14="http://schemas.microsoft.com/office/powerpoint/2010/main" val="3423595915"/>
       </p:ext>
     </p:extLst>
   </p:cSld>
@@ -6690,7 +6780,7 @@
                 <a:latin typeface="Calibri Light" panose="020F0302020204030204" pitchFamily="34" charset="0"/>
                 <a:ea typeface="Microsoft YaHei Light" panose="020B0502040204020203" pitchFamily="34" charset="-122"/>
               </a:rPr>
-              <a:t>商品頁</a:t>
+              <a:t>主頁</a:t>
             </a:r>
             <a:endParaRPr lang="en-US" altLang="zh-TW" sz="3600" dirty="0">
               <a:solidFill>
@@ -6730,7 +6820,7 @@
         <p:spPr>
           <a:xfrm>
             <a:off x="1828800" y="1368000"/>
-            <a:ext cx="8537600" cy="4802399"/>
+            <a:ext cx="8537600" cy="4802400"/>
           </a:xfrm>
           <a:prstGeom prst="rect">
             <a:avLst/>
@@ -6740,7 +6830,7 @@
     </p:spTree>
     <p:extLst>
       <p:ext uri="{BB962C8B-B14F-4D97-AF65-F5344CB8AC3E}">
-        <p14:creationId xmlns:p14="http://schemas.microsoft.com/office/powerpoint/2010/main" val="1633966908"/>
+        <p14:creationId xmlns:p14="http://schemas.microsoft.com/office/powerpoint/2010/main" val="332347358"/>
       </p:ext>
     </p:extLst>
   </p:cSld>
@@ -7416,36 +7506,13 @@
               </a:rPr>
               <a:t>商品頁</a:t>
             </a:r>
-            <a:r>
-              <a:rPr lang="en-US" altLang="zh-TW" sz="3600" dirty="0">
-                <a:solidFill>
-                  <a:srgbClr val="F2E5B1"/>
-                </a:solidFill>
-                <a:latin typeface="Calibri Light" panose="020F0302020204030204" pitchFamily="34" charset="0"/>
-                <a:ea typeface="Microsoft YaHei Light" panose="020B0502040204020203" pitchFamily="34" charset="-122"/>
-              </a:rPr>
-              <a:t>(</a:t>
-            </a:r>
-            <a:r>
-              <a:rPr lang="zh-TW" altLang="en-US" sz="3600" dirty="0">
-                <a:solidFill>
-                  <a:srgbClr val="F2E5B1"/>
-                </a:solidFill>
-                <a:latin typeface="Calibri Light" panose="020F0302020204030204" pitchFamily="34" charset="0"/>
-                <a:ea typeface="Microsoft YaHei Light" panose="020B0502040204020203" pitchFamily="34" charset="-122"/>
-              </a:rPr>
-              <a:t>購物車</a:t>
-            </a:r>
-            <a:r>
-              <a:rPr lang="en-US" altLang="zh-TW" sz="3600" dirty="0">
-                <a:solidFill>
-                  <a:srgbClr val="F2E5B1"/>
-                </a:solidFill>
-                <a:latin typeface="Calibri Light" panose="020F0302020204030204" pitchFamily="34" charset="0"/>
-                <a:ea typeface="Microsoft YaHei Light" panose="020B0502040204020203" pitchFamily="34" charset="-122"/>
-              </a:rPr>
-              <a:t>)</a:t>
-            </a:r>
+            <a:endParaRPr lang="en-US" altLang="zh-TW" sz="3600" dirty="0">
+              <a:solidFill>
+                <a:srgbClr val="F2E5B1"/>
+              </a:solidFill>
+              <a:latin typeface="Calibri Light" panose="020F0302020204030204" pitchFamily="34" charset="0"/>
+              <a:ea typeface="Microsoft YaHei Light" panose="020B0502040204020203" pitchFamily="34" charset="-122"/>
+            </a:endParaRPr>
           </a:p>
         </p:txBody>
       </p:sp>
@@ -7476,8 +7543,8 @@
         </p:blipFill>
         <p:spPr>
           <a:xfrm>
-            <a:off x="1828801" y="1368000"/>
-            <a:ext cx="8537598" cy="4802399"/>
+            <a:off x="1828800" y="1368000"/>
+            <a:ext cx="8537600" cy="4802399"/>
           </a:xfrm>
           <a:prstGeom prst="rect">
             <a:avLst/>
@@ -7487,7 +7554,7 @@
     </p:spTree>
     <p:extLst>
       <p:ext uri="{BB962C8B-B14F-4D97-AF65-F5344CB8AC3E}">
-        <p14:creationId xmlns:p14="http://schemas.microsoft.com/office/powerpoint/2010/main" val="3011230233"/>
+        <p14:creationId xmlns:p14="http://schemas.microsoft.com/office/powerpoint/2010/main" val="1633966908"/>
       </p:ext>
     </p:extLst>
   </p:cSld>
@@ -8161,6 +8228,753 @@
                 <a:latin typeface="Calibri Light" panose="020F0302020204030204" pitchFamily="34" charset="0"/>
                 <a:ea typeface="Microsoft YaHei Light" panose="020B0502040204020203" pitchFamily="34" charset="-122"/>
               </a:rPr>
+              <a:t>商品頁</a:t>
+            </a:r>
+            <a:r>
+              <a:rPr lang="en-US" altLang="zh-TW" sz="3600" dirty="0">
+                <a:solidFill>
+                  <a:srgbClr val="F2E5B1"/>
+                </a:solidFill>
+                <a:latin typeface="Calibri Light" panose="020F0302020204030204" pitchFamily="34" charset="0"/>
+                <a:ea typeface="Microsoft YaHei Light" panose="020B0502040204020203" pitchFamily="34" charset="-122"/>
+              </a:rPr>
+              <a:t>(</a:t>
+            </a:r>
+            <a:r>
+              <a:rPr lang="zh-TW" altLang="en-US" sz="3600" dirty="0">
+                <a:solidFill>
+                  <a:srgbClr val="F2E5B1"/>
+                </a:solidFill>
+                <a:latin typeface="Calibri Light" panose="020F0302020204030204" pitchFamily="34" charset="0"/>
+                <a:ea typeface="Microsoft YaHei Light" panose="020B0502040204020203" pitchFamily="34" charset="-122"/>
+              </a:rPr>
+              <a:t>購物車</a:t>
+            </a:r>
+            <a:r>
+              <a:rPr lang="en-US" altLang="zh-TW" sz="3600" dirty="0">
+                <a:solidFill>
+                  <a:srgbClr val="F2E5B1"/>
+                </a:solidFill>
+                <a:latin typeface="Calibri Light" panose="020F0302020204030204" pitchFamily="34" charset="0"/>
+                <a:ea typeface="Microsoft YaHei Light" panose="020B0502040204020203" pitchFamily="34" charset="-122"/>
+              </a:rPr>
+              <a:t>)</a:t>
+            </a:r>
+          </a:p>
+        </p:txBody>
+      </p:sp>
+      <p:pic>
+        <p:nvPicPr>
+          <p:cNvPr id="3" name="圖片 2">
+            <a:extLst>
+              <a:ext uri="{FF2B5EF4-FFF2-40B4-BE49-F238E27FC236}">
+                <a16:creationId xmlns:a16="http://schemas.microsoft.com/office/drawing/2014/main" id="{2406803E-B5A6-4B03-B4D3-CABCE92FD4E3}"/>
+              </a:ext>
+            </a:extLst>
+          </p:cNvPr>
+          <p:cNvPicPr>
+            <a:picLocks noChangeAspect="1"/>
+          </p:cNvPicPr>
+          <p:nvPr/>
+        </p:nvPicPr>
+        <p:blipFill>
+          <a:blip r:embed="rId2">
+            <a:extLst>
+              <a:ext uri="{28A0092B-C50C-407E-A947-70E740481C1C}">
+                <a14:useLocalDpi xmlns:a14="http://schemas.microsoft.com/office/drawing/2010/main" val="0"/>
+              </a:ext>
+            </a:extLst>
+          </a:blip>
+          <a:srcRect/>
+          <a:stretch/>
+        </p:blipFill>
+        <p:spPr>
+          <a:xfrm>
+            <a:off x="1828801" y="1368000"/>
+            <a:ext cx="8537598" cy="4802399"/>
+          </a:xfrm>
+          <a:prstGeom prst="rect">
+            <a:avLst/>
+          </a:prstGeom>
+        </p:spPr>
+      </p:pic>
+    </p:spTree>
+    <p:extLst>
+      <p:ext uri="{BB962C8B-B14F-4D97-AF65-F5344CB8AC3E}">
+        <p14:creationId xmlns:p14="http://schemas.microsoft.com/office/powerpoint/2010/main" val="3011230233"/>
+      </p:ext>
+    </p:extLst>
+  </p:cSld>
+  <p:clrMapOvr>
+    <a:masterClrMapping/>
+  </p:clrMapOvr>
+</p:sld>
+</file>
+
+<file path=ppt/slides/slide8.xml><?xml version="1.0" encoding="utf-8"?>
+<p:sld xmlns:a="http://schemas.openxmlformats.org/drawingml/2006/main" xmlns:r="http://schemas.openxmlformats.org/officeDocument/2006/relationships" xmlns:p="http://schemas.openxmlformats.org/presentationml/2006/main">
+  <p:cSld>
+    <p:bg>
+      <p:bgPr>
+        <a:solidFill>
+          <a:srgbClr val="243560"/>
+        </a:solidFill>
+        <a:effectLst/>
+      </p:bgPr>
+    </p:bg>
+    <p:spTree>
+      <p:nvGrpSpPr>
+        <p:cNvPr id="1" name=""/>
+        <p:cNvGrpSpPr/>
+        <p:nvPr/>
+      </p:nvGrpSpPr>
+      <p:grpSpPr>
+        <a:xfrm>
+          <a:off x="0" y="0"/>
+          <a:ext cx="0" cy="0"/>
+          <a:chOff x="0" y="0"/>
+          <a:chExt cx="0" cy="0"/>
+        </a:xfrm>
+      </p:grpSpPr>
+      <p:grpSp>
+        <p:nvGrpSpPr>
+          <p:cNvPr id="16" name="群組 15">
+            <a:extLst>
+              <a:ext uri="{FF2B5EF4-FFF2-40B4-BE49-F238E27FC236}">
+                <a16:creationId xmlns:a16="http://schemas.microsoft.com/office/drawing/2014/main" id="{4C19DC63-4DBA-434C-8AC1-415E2EB0BEB5}"/>
+              </a:ext>
+            </a:extLst>
+          </p:cNvPr>
+          <p:cNvGrpSpPr/>
+          <p:nvPr/>
+        </p:nvGrpSpPr>
+        <p:grpSpPr>
+          <a:xfrm>
+            <a:off x="-582929" y="864870"/>
+            <a:ext cx="3055620" cy="152400"/>
+            <a:chOff x="-819149" y="575310"/>
+            <a:chExt cx="3055620" cy="152400"/>
+          </a:xfrm>
+        </p:grpSpPr>
+        <p:cxnSp>
+          <p:nvCxnSpPr>
+            <p:cNvPr id="14" name="直線接點 13">
+              <a:extLst>
+                <a:ext uri="{FF2B5EF4-FFF2-40B4-BE49-F238E27FC236}">
+                  <a16:creationId xmlns:a16="http://schemas.microsoft.com/office/drawing/2014/main" id="{45A29194-5563-4DA4-9181-07B59C15FA61}"/>
+                </a:ext>
+              </a:extLst>
+            </p:cNvPr>
+            <p:cNvCxnSpPr>
+              <a:cxnSpLocks/>
+            </p:cNvCxnSpPr>
+            <p:nvPr/>
+          </p:nvCxnSpPr>
+          <p:spPr>
+            <a:xfrm rot="2700000">
+              <a:off x="632461" y="-876300"/>
+              <a:ext cx="0" cy="2903220"/>
+            </a:xfrm>
+            <a:prstGeom prst="line">
+              <a:avLst/>
+            </a:prstGeom>
+            <a:ln w="25400">
+              <a:solidFill>
+                <a:srgbClr val="F2E5B1"/>
+              </a:solidFill>
+            </a:ln>
+          </p:spPr>
+          <p:style>
+            <a:lnRef idx="1">
+              <a:schemeClr val="accent1"/>
+            </a:lnRef>
+            <a:fillRef idx="0">
+              <a:schemeClr val="accent1"/>
+            </a:fillRef>
+            <a:effectRef idx="0">
+              <a:schemeClr val="accent1"/>
+            </a:effectRef>
+            <a:fontRef idx="minor">
+              <a:schemeClr val="tx1"/>
+            </a:fontRef>
+          </p:style>
+        </p:cxnSp>
+        <p:cxnSp>
+          <p:nvCxnSpPr>
+            <p:cNvPr id="15" name="直線接點 14">
+              <a:extLst>
+                <a:ext uri="{FF2B5EF4-FFF2-40B4-BE49-F238E27FC236}">
+                  <a16:creationId xmlns:a16="http://schemas.microsoft.com/office/drawing/2014/main" id="{770E1B9C-2457-4DB7-81F0-A707676029B0}"/>
+                </a:ext>
+              </a:extLst>
+            </p:cNvPr>
+            <p:cNvCxnSpPr>
+              <a:cxnSpLocks/>
+            </p:cNvCxnSpPr>
+            <p:nvPr/>
+          </p:nvCxnSpPr>
+          <p:spPr>
+            <a:xfrm rot="2700000">
+              <a:off x="784861" y="-723900"/>
+              <a:ext cx="0" cy="2903220"/>
+            </a:xfrm>
+            <a:prstGeom prst="line">
+              <a:avLst/>
+            </a:prstGeom>
+            <a:ln w="25400">
+              <a:solidFill>
+                <a:srgbClr val="F2E5B1"/>
+              </a:solidFill>
+            </a:ln>
+          </p:spPr>
+          <p:style>
+            <a:lnRef idx="1">
+              <a:schemeClr val="accent1"/>
+            </a:lnRef>
+            <a:fillRef idx="0">
+              <a:schemeClr val="accent1"/>
+            </a:fillRef>
+            <a:effectRef idx="0">
+              <a:schemeClr val="accent1"/>
+            </a:effectRef>
+            <a:fontRef idx="minor">
+              <a:schemeClr val="tx1"/>
+            </a:fontRef>
+          </p:style>
+        </p:cxnSp>
+      </p:grpSp>
+      <p:grpSp>
+        <p:nvGrpSpPr>
+          <p:cNvPr id="17" name="群組 16">
+            <a:extLst>
+              <a:ext uri="{FF2B5EF4-FFF2-40B4-BE49-F238E27FC236}">
+                <a16:creationId xmlns:a16="http://schemas.microsoft.com/office/drawing/2014/main" id="{CFFF49C5-8721-428E-A0E5-A9F9C6248297}"/>
+              </a:ext>
+            </a:extLst>
+          </p:cNvPr>
+          <p:cNvGrpSpPr/>
+          <p:nvPr/>
+        </p:nvGrpSpPr>
+        <p:grpSpPr>
+          <a:xfrm>
+            <a:off x="9730740" y="5847080"/>
+            <a:ext cx="3055620" cy="152400"/>
+            <a:chOff x="-819149" y="575310"/>
+            <a:chExt cx="3055620" cy="152400"/>
+          </a:xfrm>
+        </p:grpSpPr>
+        <p:cxnSp>
+          <p:nvCxnSpPr>
+            <p:cNvPr id="18" name="直線接點 17">
+              <a:extLst>
+                <a:ext uri="{FF2B5EF4-FFF2-40B4-BE49-F238E27FC236}">
+                  <a16:creationId xmlns:a16="http://schemas.microsoft.com/office/drawing/2014/main" id="{C51D172C-2205-4D00-B834-AB8610F6A09B}"/>
+                </a:ext>
+              </a:extLst>
+            </p:cNvPr>
+            <p:cNvCxnSpPr>
+              <a:cxnSpLocks/>
+            </p:cNvCxnSpPr>
+            <p:nvPr/>
+          </p:nvCxnSpPr>
+          <p:spPr>
+            <a:xfrm rot="2700000">
+              <a:off x="632461" y="-876300"/>
+              <a:ext cx="0" cy="2903220"/>
+            </a:xfrm>
+            <a:prstGeom prst="line">
+              <a:avLst/>
+            </a:prstGeom>
+            <a:ln w="25400">
+              <a:solidFill>
+                <a:srgbClr val="F2E5B1"/>
+              </a:solidFill>
+            </a:ln>
+          </p:spPr>
+          <p:style>
+            <a:lnRef idx="1">
+              <a:schemeClr val="accent1"/>
+            </a:lnRef>
+            <a:fillRef idx="0">
+              <a:schemeClr val="accent1"/>
+            </a:fillRef>
+            <a:effectRef idx="0">
+              <a:schemeClr val="accent1"/>
+            </a:effectRef>
+            <a:fontRef idx="minor">
+              <a:schemeClr val="tx1"/>
+            </a:fontRef>
+          </p:style>
+        </p:cxnSp>
+        <p:cxnSp>
+          <p:nvCxnSpPr>
+            <p:cNvPr id="19" name="直線接點 18">
+              <a:extLst>
+                <a:ext uri="{FF2B5EF4-FFF2-40B4-BE49-F238E27FC236}">
+                  <a16:creationId xmlns:a16="http://schemas.microsoft.com/office/drawing/2014/main" id="{75DC8991-9D85-44D5-BF71-21BD2CF8D0F3}"/>
+                </a:ext>
+              </a:extLst>
+            </p:cNvPr>
+            <p:cNvCxnSpPr>
+              <a:cxnSpLocks/>
+            </p:cNvCxnSpPr>
+            <p:nvPr/>
+          </p:nvCxnSpPr>
+          <p:spPr>
+            <a:xfrm rot="2700000">
+              <a:off x="784861" y="-723900"/>
+              <a:ext cx="0" cy="2903220"/>
+            </a:xfrm>
+            <a:prstGeom prst="line">
+              <a:avLst/>
+            </a:prstGeom>
+            <a:ln w="25400">
+              <a:solidFill>
+                <a:srgbClr val="F2E5B1"/>
+              </a:solidFill>
+            </a:ln>
+          </p:spPr>
+          <p:style>
+            <a:lnRef idx="1">
+              <a:schemeClr val="accent1"/>
+            </a:lnRef>
+            <a:fillRef idx="0">
+              <a:schemeClr val="accent1"/>
+            </a:fillRef>
+            <a:effectRef idx="0">
+              <a:schemeClr val="accent1"/>
+            </a:effectRef>
+            <a:fontRef idx="minor">
+              <a:schemeClr val="tx1"/>
+            </a:fontRef>
+          </p:style>
+        </p:cxnSp>
+      </p:grpSp>
+      <p:sp>
+        <p:nvSpPr>
+          <p:cNvPr id="10" name="副標題 2">
+            <a:extLst>
+              <a:ext uri="{FF2B5EF4-FFF2-40B4-BE49-F238E27FC236}">
+                <a16:creationId xmlns:a16="http://schemas.microsoft.com/office/drawing/2014/main" id="{6CE8234E-28A8-4981-9FB8-B3A153C12B7A}"/>
+              </a:ext>
+            </a:extLst>
+          </p:cNvPr>
+          <p:cNvSpPr txBox="1">
+            <a:spLocks/>
+          </p:cNvSpPr>
+          <p:nvPr/>
+        </p:nvSpPr>
+        <p:spPr>
+          <a:xfrm>
+            <a:off x="2598420" y="3915564"/>
+            <a:ext cx="3238222" cy="905072"/>
+          </a:xfrm>
+          <a:prstGeom prst="rect">
+            <a:avLst/>
+          </a:prstGeom>
+        </p:spPr>
+        <p:txBody>
+          <a:bodyPr vert="horz" lIns="91440" tIns="45720" rIns="91440" bIns="45720" rtlCol="0">
+            <a:normAutofit/>
+          </a:bodyPr>
+          <a:lstStyle>
+            <a:lvl1pPr marL="0" indent="0" algn="ctr" defTabSz="914400" rtl="0" eaLnBrk="1" latinLnBrk="0" hangingPunct="1">
+              <a:lnSpc>
+                <a:spcPct val="90000"/>
+              </a:lnSpc>
+              <a:spcBef>
+                <a:spcPts val="1000"/>
+              </a:spcBef>
+              <a:buFont typeface="Arial" panose="020B0604020202020204" pitchFamily="34" charset="0"/>
+              <a:buNone/>
+              <a:defRPr sz="2400" kern="1200">
+                <a:solidFill>
+                  <a:schemeClr val="tx1"/>
+                </a:solidFill>
+                <a:latin typeface="+mn-lt"/>
+                <a:ea typeface="+mn-ea"/>
+                <a:cs typeface="+mn-cs"/>
+              </a:defRPr>
+            </a:lvl1pPr>
+            <a:lvl2pPr marL="457200" indent="0" algn="ctr" defTabSz="914400" rtl="0" eaLnBrk="1" latinLnBrk="0" hangingPunct="1">
+              <a:lnSpc>
+                <a:spcPct val="90000"/>
+              </a:lnSpc>
+              <a:spcBef>
+                <a:spcPts val="500"/>
+              </a:spcBef>
+              <a:buFont typeface="Arial" panose="020B0604020202020204" pitchFamily="34" charset="0"/>
+              <a:buNone/>
+              <a:defRPr sz="2000" kern="1200">
+                <a:solidFill>
+                  <a:schemeClr val="tx1"/>
+                </a:solidFill>
+                <a:latin typeface="+mn-lt"/>
+                <a:ea typeface="+mn-ea"/>
+                <a:cs typeface="+mn-cs"/>
+              </a:defRPr>
+            </a:lvl2pPr>
+            <a:lvl3pPr marL="914400" indent="0" algn="ctr" defTabSz="914400" rtl="0" eaLnBrk="1" latinLnBrk="0" hangingPunct="1">
+              <a:lnSpc>
+                <a:spcPct val="90000"/>
+              </a:lnSpc>
+              <a:spcBef>
+                <a:spcPts val="500"/>
+              </a:spcBef>
+              <a:buFont typeface="Arial" panose="020B0604020202020204" pitchFamily="34" charset="0"/>
+              <a:buNone/>
+              <a:defRPr sz="1800" kern="1200">
+                <a:solidFill>
+                  <a:schemeClr val="tx1"/>
+                </a:solidFill>
+                <a:latin typeface="+mn-lt"/>
+                <a:ea typeface="+mn-ea"/>
+                <a:cs typeface="+mn-cs"/>
+              </a:defRPr>
+            </a:lvl3pPr>
+            <a:lvl4pPr marL="1371600" indent="0" algn="ctr" defTabSz="914400" rtl="0" eaLnBrk="1" latinLnBrk="0" hangingPunct="1">
+              <a:lnSpc>
+                <a:spcPct val="90000"/>
+              </a:lnSpc>
+              <a:spcBef>
+                <a:spcPts val="500"/>
+              </a:spcBef>
+              <a:buFont typeface="Arial" panose="020B0604020202020204" pitchFamily="34" charset="0"/>
+              <a:buNone/>
+              <a:defRPr sz="1600" kern="1200">
+                <a:solidFill>
+                  <a:schemeClr val="tx1"/>
+                </a:solidFill>
+                <a:latin typeface="+mn-lt"/>
+                <a:ea typeface="+mn-ea"/>
+                <a:cs typeface="+mn-cs"/>
+              </a:defRPr>
+            </a:lvl4pPr>
+            <a:lvl5pPr marL="1828800" indent="0" algn="ctr" defTabSz="914400" rtl="0" eaLnBrk="1" latinLnBrk="0" hangingPunct="1">
+              <a:lnSpc>
+                <a:spcPct val="90000"/>
+              </a:lnSpc>
+              <a:spcBef>
+                <a:spcPts val="500"/>
+              </a:spcBef>
+              <a:buFont typeface="Arial" panose="020B0604020202020204" pitchFamily="34" charset="0"/>
+              <a:buNone/>
+              <a:defRPr sz="1600" kern="1200">
+                <a:solidFill>
+                  <a:schemeClr val="tx1"/>
+                </a:solidFill>
+                <a:latin typeface="+mn-lt"/>
+                <a:ea typeface="+mn-ea"/>
+                <a:cs typeface="+mn-cs"/>
+              </a:defRPr>
+            </a:lvl5pPr>
+            <a:lvl6pPr marL="2286000" indent="0" algn="ctr" defTabSz="914400" rtl="0" eaLnBrk="1" latinLnBrk="0" hangingPunct="1">
+              <a:lnSpc>
+                <a:spcPct val="90000"/>
+              </a:lnSpc>
+              <a:spcBef>
+                <a:spcPts val="500"/>
+              </a:spcBef>
+              <a:buFont typeface="Arial" panose="020B0604020202020204" pitchFamily="34" charset="0"/>
+              <a:buNone/>
+              <a:defRPr sz="1600" kern="1200">
+                <a:solidFill>
+                  <a:schemeClr val="tx1"/>
+                </a:solidFill>
+                <a:latin typeface="+mn-lt"/>
+                <a:ea typeface="+mn-ea"/>
+                <a:cs typeface="+mn-cs"/>
+              </a:defRPr>
+            </a:lvl6pPr>
+            <a:lvl7pPr marL="2743200" indent="0" algn="ctr" defTabSz="914400" rtl="0" eaLnBrk="1" latinLnBrk="0" hangingPunct="1">
+              <a:lnSpc>
+                <a:spcPct val="90000"/>
+              </a:lnSpc>
+              <a:spcBef>
+                <a:spcPts val="500"/>
+              </a:spcBef>
+              <a:buFont typeface="Arial" panose="020B0604020202020204" pitchFamily="34" charset="0"/>
+              <a:buNone/>
+              <a:defRPr sz="1600" kern="1200">
+                <a:solidFill>
+                  <a:schemeClr val="tx1"/>
+                </a:solidFill>
+                <a:latin typeface="+mn-lt"/>
+                <a:ea typeface="+mn-ea"/>
+                <a:cs typeface="+mn-cs"/>
+              </a:defRPr>
+            </a:lvl7pPr>
+            <a:lvl8pPr marL="3200400" indent="0" algn="ctr" defTabSz="914400" rtl="0" eaLnBrk="1" latinLnBrk="0" hangingPunct="1">
+              <a:lnSpc>
+                <a:spcPct val="90000"/>
+              </a:lnSpc>
+              <a:spcBef>
+                <a:spcPts val="500"/>
+              </a:spcBef>
+              <a:buFont typeface="Arial" panose="020B0604020202020204" pitchFamily="34" charset="0"/>
+              <a:buNone/>
+              <a:defRPr sz="1600" kern="1200">
+                <a:solidFill>
+                  <a:schemeClr val="tx1"/>
+                </a:solidFill>
+                <a:latin typeface="+mn-lt"/>
+                <a:ea typeface="+mn-ea"/>
+                <a:cs typeface="+mn-cs"/>
+              </a:defRPr>
+            </a:lvl8pPr>
+            <a:lvl9pPr marL="3657600" indent="0" algn="ctr" defTabSz="914400" rtl="0" eaLnBrk="1" latinLnBrk="0" hangingPunct="1">
+              <a:lnSpc>
+                <a:spcPct val="90000"/>
+              </a:lnSpc>
+              <a:spcBef>
+                <a:spcPts val="500"/>
+              </a:spcBef>
+              <a:buFont typeface="Arial" panose="020B0604020202020204" pitchFamily="34" charset="0"/>
+              <a:buNone/>
+              <a:defRPr sz="1600" kern="1200">
+                <a:solidFill>
+                  <a:schemeClr val="tx1"/>
+                </a:solidFill>
+                <a:latin typeface="+mn-lt"/>
+                <a:ea typeface="+mn-ea"/>
+                <a:cs typeface="+mn-cs"/>
+              </a:defRPr>
+            </a:lvl9pPr>
+          </a:lstStyle>
+          <a:p>
+            <a:pPr algn="l"/>
+            <a:endParaRPr lang="en-US" altLang="zh-TW" dirty="0">
+              <a:solidFill>
+                <a:srgbClr val="F2E5B1"/>
+              </a:solidFill>
+              <a:latin typeface="Calibri Light" panose="020F0302020204030204" pitchFamily="34" charset="0"/>
+              <a:ea typeface="Microsoft YaHei Light" panose="020B0502040204020203" pitchFamily="34" charset="-122"/>
+              <a:cs typeface="+mj-cs"/>
+            </a:endParaRPr>
+          </a:p>
+        </p:txBody>
+      </p:sp>
+      <p:sp>
+        <p:nvSpPr>
+          <p:cNvPr id="11" name="副標題 2">
+            <a:extLst>
+              <a:ext uri="{FF2B5EF4-FFF2-40B4-BE49-F238E27FC236}">
+                <a16:creationId xmlns:a16="http://schemas.microsoft.com/office/drawing/2014/main" id="{2D09F039-542B-431C-A987-FEEB5A5B89DD}"/>
+              </a:ext>
+            </a:extLst>
+          </p:cNvPr>
+          <p:cNvSpPr txBox="1">
+            <a:spLocks/>
+          </p:cNvSpPr>
+          <p:nvPr/>
+        </p:nvSpPr>
+        <p:spPr>
+          <a:xfrm>
+            <a:off x="1828800" y="592594"/>
+            <a:ext cx="5747982" cy="544552"/>
+          </a:xfrm>
+          <a:prstGeom prst="rect">
+            <a:avLst/>
+          </a:prstGeom>
+        </p:spPr>
+        <p:txBody>
+          <a:bodyPr vert="horz" lIns="91440" tIns="45720" rIns="91440" bIns="45720" rtlCol="0">
+            <a:noAutofit/>
+          </a:bodyPr>
+          <a:lstStyle>
+            <a:lvl1pPr marL="0" indent="0" algn="ctr" defTabSz="914400" rtl="0" eaLnBrk="1" latinLnBrk="0" hangingPunct="1">
+              <a:lnSpc>
+                <a:spcPct val="90000"/>
+              </a:lnSpc>
+              <a:spcBef>
+                <a:spcPts val="1000"/>
+              </a:spcBef>
+              <a:buFont typeface="Arial" panose="020B0604020202020204" pitchFamily="34" charset="0"/>
+              <a:buNone/>
+              <a:defRPr sz="2400" kern="1200">
+                <a:solidFill>
+                  <a:schemeClr val="tx1"/>
+                </a:solidFill>
+                <a:latin typeface="+mn-lt"/>
+                <a:ea typeface="+mn-ea"/>
+                <a:cs typeface="+mn-cs"/>
+              </a:defRPr>
+            </a:lvl1pPr>
+            <a:lvl2pPr marL="457200" indent="0" algn="ctr" defTabSz="914400" rtl="0" eaLnBrk="1" latinLnBrk="0" hangingPunct="1">
+              <a:lnSpc>
+                <a:spcPct val="90000"/>
+              </a:lnSpc>
+              <a:spcBef>
+                <a:spcPts val="500"/>
+              </a:spcBef>
+              <a:buFont typeface="Arial" panose="020B0604020202020204" pitchFamily="34" charset="0"/>
+              <a:buNone/>
+              <a:defRPr sz="2000" kern="1200">
+                <a:solidFill>
+                  <a:schemeClr val="tx1"/>
+                </a:solidFill>
+                <a:latin typeface="+mn-lt"/>
+                <a:ea typeface="+mn-ea"/>
+                <a:cs typeface="+mn-cs"/>
+              </a:defRPr>
+            </a:lvl2pPr>
+            <a:lvl3pPr marL="914400" indent="0" algn="ctr" defTabSz="914400" rtl="0" eaLnBrk="1" latinLnBrk="0" hangingPunct="1">
+              <a:lnSpc>
+                <a:spcPct val="90000"/>
+              </a:lnSpc>
+              <a:spcBef>
+                <a:spcPts val="500"/>
+              </a:spcBef>
+              <a:buFont typeface="Arial" panose="020B0604020202020204" pitchFamily="34" charset="0"/>
+              <a:buNone/>
+              <a:defRPr sz="1800" kern="1200">
+                <a:solidFill>
+                  <a:schemeClr val="tx1"/>
+                </a:solidFill>
+                <a:latin typeface="+mn-lt"/>
+                <a:ea typeface="+mn-ea"/>
+                <a:cs typeface="+mn-cs"/>
+              </a:defRPr>
+            </a:lvl3pPr>
+            <a:lvl4pPr marL="1371600" indent="0" algn="ctr" defTabSz="914400" rtl="0" eaLnBrk="1" latinLnBrk="0" hangingPunct="1">
+              <a:lnSpc>
+                <a:spcPct val="90000"/>
+              </a:lnSpc>
+              <a:spcBef>
+                <a:spcPts val="500"/>
+              </a:spcBef>
+              <a:buFont typeface="Arial" panose="020B0604020202020204" pitchFamily="34" charset="0"/>
+              <a:buNone/>
+              <a:defRPr sz="1600" kern="1200">
+                <a:solidFill>
+                  <a:schemeClr val="tx1"/>
+                </a:solidFill>
+                <a:latin typeface="+mn-lt"/>
+                <a:ea typeface="+mn-ea"/>
+                <a:cs typeface="+mn-cs"/>
+              </a:defRPr>
+            </a:lvl4pPr>
+            <a:lvl5pPr marL="1828800" indent="0" algn="ctr" defTabSz="914400" rtl="0" eaLnBrk="1" latinLnBrk="0" hangingPunct="1">
+              <a:lnSpc>
+                <a:spcPct val="90000"/>
+              </a:lnSpc>
+              <a:spcBef>
+                <a:spcPts val="500"/>
+              </a:spcBef>
+              <a:buFont typeface="Arial" panose="020B0604020202020204" pitchFamily="34" charset="0"/>
+              <a:buNone/>
+              <a:defRPr sz="1600" kern="1200">
+                <a:solidFill>
+                  <a:schemeClr val="tx1"/>
+                </a:solidFill>
+                <a:latin typeface="+mn-lt"/>
+                <a:ea typeface="+mn-ea"/>
+                <a:cs typeface="+mn-cs"/>
+              </a:defRPr>
+            </a:lvl5pPr>
+            <a:lvl6pPr marL="2286000" indent="0" algn="ctr" defTabSz="914400" rtl="0" eaLnBrk="1" latinLnBrk="0" hangingPunct="1">
+              <a:lnSpc>
+                <a:spcPct val="90000"/>
+              </a:lnSpc>
+              <a:spcBef>
+                <a:spcPts val="500"/>
+              </a:spcBef>
+              <a:buFont typeface="Arial" panose="020B0604020202020204" pitchFamily="34" charset="0"/>
+              <a:buNone/>
+              <a:defRPr sz="1600" kern="1200">
+                <a:solidFill>
+                  <a:schemeClr val="tx1"/>
+                </a:solidFill>
+                <a:latin typeface="+mn-lt"/>
+                <a:ea typeface="+mn-ea"/>
+                <a:cs typeface="+mn-cs"/>
+              </a:defRPr>
+            </a:lvl6pPr>
+            <a:lvl7pPr marL="2743200" indent="0" algn="ctr" defTabSz="914400" rtl="0" eaLnBrk="1" latinLnBrk="0" hangingPunct="1">
+              <a:lnSpc>
+                <a:spcPct val="90000"/>
+              </a:lnSpc>
+              <a:spcBef>
+                <a:spcPts val="500"/>
+              </a:spcBef>
+              <a:buFont typeface="Arial" panose="020B0604020202020204" pitchFamily="34" charset="0"/>
+              <a:buNone/>
+              <a:defRPr sz="1600" kern="1200">
+                <a:solidFill>
+                  <a:schemeClr val="tx1"/>
+                </a:solidFill>
+                <a:latin typeface="+mn-lt"/>
+                <a:ea typeface="+mn-ea"/>
+                <a:cs typeface="+mn-cs"/>
+              </a:defRPr>
+            </a:lvl7pPr>
+            <a:lvl8pPr marL="3200400" indent="0" algn="ctr" defTabSz="914400" rtl="0" eaLnBrk="1" latinLnBrk="0" hangingPunct="1">
+              <a:lnSpc>
+                <a:spcPct val="90000"/>
+              </a:lnSpc>
+              <a:spcBef>
+                <a:spcPts val="500"/>
+              </a:spcBef>
+              <a:buFont typeface="Arial" panose="020B0604020202020204" pitchFamily="34" charset="0"/>
+              <a:buNone/>
+              <a:defRPr sz="1600" kern="1200">
+                <a:solidFill>
+                  <a:schemeClr val="tx1"/>
+                </a:solidFill>
+                <a:latin typeface="+mn-lt"/>
+                <a:ea typeface="+mn-ea"/>
+                <a:cs typeface="+mn-cs"/>
+              </a:defRPr>
+            </a:lvl8pPr>
+            <a:lvl9pPr marL="3657600" indent="0" algn="ctr" defTabSz="914400" rtl="0" eaLnBrk="1" latinLnBrk="0" hangingPunct="1">
+              <a:lnSpc>
+                <a:spcPct val="90000"/>
+              </a:lnSpc>
+              <a:spcBef>
+                <a:spcPts val="500"/>
+              </a:spcBef>
+              <a:buFont typeface="Arial" panose="020B0604020202020204" pitchFamily="34" charset="0"/>
+              <a:buNone/>
+              <a:defRPr sz="1600" kern="1200">
+                <a:solidFill>
+                  <a:schemeClr val="tx1"/>
+                </a:solidFill>
+                <a:latin typeface="+mn-lt"/>
+                <a:ea typeface="+mn-ea"/>
+                <a:cs typeface="+mn-cs"/>
+              </a:defRPr>
+            </a:lvl9pPr>
+          </a:lstStyle>
+          <a:p>
+            <a:pPr algn="l"/>
+            <a:r>
+              <a:rPr lang="zh-TW" altLang="en-US" sz="3600" dirty="0">
+                <a:solidFill>
+                  <a:srgbClr val="F2E5B1"/>
+                </a:solidFill>
+                <a:latin typeface="Calibri Light" panose="020F0302020204030204" pitchFamily="34" charset="0"/>
+                <a:ea typeface="Microsoft YaHei Light" panose="020B0502040204020203" pitchFamily="34" charset="-122"/>
+              </a:rPr>
+              <a:t>網頁畫面 </a:t>
+            </a:r>
+            <a:r>
+              <a:rPr lang="en-US" altLang="zh-TW" sz="3600" dirty="0">
+                <a:solidFill>
+                  <a:srgbClr val="F2E5B1"/>
+                </a:solidFill>
+                <a:latin typeface="Calibri Light" panose="020F0302020204030204" pitchFamily="34" charset="0"/>
+                <a:ea typeface="Microsoft YaHei Light" panose="020B0502040204020203" pitchFamily="34" charset="-122"/>
+              </a:rPr>
+              <a:t>- </a:t>
+            </a:r>
+            <a:r>
+              <a:rPr lang="zh-TW" altLang="en-US" sz="3600" dirty="0">
+                <a:solidFill>
+                  <a:srgbClr val="F2E5B1"/>
+                </a:solidFill>
+                <a:latin typeface="Calibri Light" panose="020F0302020204030204" pitchFamily="34" charset="0"/>
+                <a:ea typeface="Microsoft YaHei Light" panose="020B0502040204020203" pitchFamily="34" charset="-122"/>
+              </a:rPr>
               <a:t>訂單頁</a:t>
             </a:r>
             <a:endParaRPr lang="en-US" altLang="zh-TW" sz="3600" dirty="0">
@@ -8221,7 +9035,7 @@
 </p:sld>
 </file>
 
-<file path=ppt/slides/slide8.xml><?xml version="1.0" encoding="utf-8"?>
+<file path=ppt/slides/slide9.xml><?xml version="1.0" encoding="utf-8"?>
 <p:sld xmlns:a="http://schemas.openxmlformats.org/drawingml/2006/main" xmlns:r="http://schemas.openxmlformats.org/officeDocument/2006/relationships" xmlns:p="http://schemas.openxmlformats.org/presentationml/2006/main">
   <p:cSld>
     <p:bg>
